--- a/S4/WebServices/ProjectDeliverables/Presentation.pptx
+++ b/S4/WebServices/ProjectDeliverables/Presentation.pptx
@@ -6,6 +6,18 @@
   </p:sldMasterIdLst>
   <p:sldIdLst>
     <p:sldId id="256" r:id="rId2"/>
+    <p:sldId id="257" r:id="rId3"/>
+    <p:sldId id="258" r:id="rId4"/>
+    <p:sldId id="259" r:id="rId5"/>
+    <p:sldId id="260" r:id="rId6"/>
+    <p:sldId id="261" r:id="rId7"/>
+    <p:sldId id="262" r:id="rId8"/>
+    <p:sldId id="263" r:id="rId9"/>
+    <p:sldId id="264" r:id="rId10"/>
+    <p:sldId id="265" r:id="rId11"/>
+    <p:sldId id="266" r:id="rId12"/>
+    <p:sldId id="267" r:id="rId13"/>
+    <p:sldId id="268" r:id="rId14"/>
   </p:sldIdLst>
   <p:sldSz cx="12192000" cy="6858000"/>
   <p:notesSz cx="6858000" cy="9144000"/>
@@ -129,7 +141,7 @@
           <p:cNvPr id="2" name="Title 1">
             <a:extLst>
               <a:ext uri="{FF2B5EF4-FFF2-40B4-BE49-F238E27FC236}">
-                <a16:creationId xmlns:a16="http://schemas.microsoft.com/office/drawing/2014/main" id="{EE48139E-B48C-037A-20D9-995C3016B9C1}"/>
+                <a16:creationId xmlns:a16="http://schemas.microsoft.com/office/drawing/2014/main" xmlns="" id="{EE48139E-B48C-037A-20D9-995C3016B9C1}"/>
               </a:ext>
             </a:extLst>
           </p:cNvPr>
@@ -167,7 +179,7 @@
           <p:cNvPr id="3" name="Subtitle 2">
             <a:extLst>
               <a:ext uri="{FF2B5EF4-FFF2-40B4-BE49-F238E27FC236}">
-                <a16:creationId xmlns:a16="http://schemas.microsoft.com/office/drawing/2014/main" id="{B16C8E61-836A-7BEC-26F6-FA4646492484}"/>
+                <a16:creationId xmlns:a16="http://schemas.microsoft.com/office/drawing/2014/main" xmlns="" id="{B16C8E61-836A-7BEC-26F6-FA4646492484}"/>
               </a:ext>
             </a:extLst>
           </p:cNvPr>
@@ -238,7 +250,7 @@
           <p:cNvPr id="4" name="Date Placeholder 3">
             <a:extLst>
               <a:ext uri="{FF2B5EF4-FFF2-40B4-BE49-F238E27FC236}">
-                <a16:creationId xmlns:a16="http://schemas.microsoft.com/office/drawing/2014/main" id="{5BCD813D-D9C8-03B8-E3BD-DA9F9E6289F5}"/>
+                <a16:creationId xmlns:a16="http://schemas.microsoft.com/office/drawing/2014/main" xmlns="" id="{5BCD813D-D9C8-03B8-E3BD-DA9F9E6289F5}"/>
               </a:ext>
             </a:extLst>
           </p:cNvPr>
@@ -256,7 +268,8 @@
           <a:p>
             <a:fld id="{48E5899F-1F0F-4D4E-9C8E-C48C481E236B}" type="datetimeFigureOut">
               <a:rPr lang="en-IN" smtClean="0"/>
-              <a:t>05-09-2025</a:t>
+              <a:pPr/>
+              <a:t>06-09-2025</a:t>
             </a:fld>
             <a:endParaRPr lang="en-IN"/>
           </a:p>
@@ -267,7 +280,7 @@
           <p:cNvPr id="5" name="Footer Placeholder 4">
             <a:extLst>
               <a:ext uri="{FF2B5EF4-FFF2-40B4-BE49-F238E27FC236}">
-                <a16:creationId xmlns:a16="http://schemas.microsoft.com/office/drawing/2014/main" id="{AEE6ACF9-F8F1-50BB-08B3-3ADE66FE0B6B}"/>
+                <a16:creationId xmlns:a16="http://schemas.microsoft.com/office/drawing/2014/main" xmlns="" id="{AEE6ACF9-F8F1-50BB-08B3-3ADE66FE0B6B}"/>
               </a:ext>
             </a:extLst>
           </p:cNvPr>
@@ -292,7 +305,7 @@
           <p:cNvPr id="6" name="Slide Number Placeholder 5">
             <a:extLst>
               <a:ext uri="{FF2B5EF4-FFF2-40B4-BE49-F238E27FC236}">
-                <a16:creationId xmlns:a16="http://schemas.microsoft.com/office/drawing/2014/main" id="{21173A61-0CB0-2BE6-7635-58FE4135C209}"/>
+                <a16:creationId xmlns:a16="http://schemas.microsoft.com/office/drawing/2014/main" xmlns="" id="{21173A61-0CB0-2BE6-7635-58FE4135C209}"/>
               </a:ext>
             </a:extLst>
           </p:cNvPr>
@@ -310,6 +323,7 @@
           <a:p>
             <a:fld id="{EB61AEEC-9A9F-4ADD-B0BE-86B98ED1E87E}" type="slidenum">
               <a:rPr lang="en-IN" smtClean="0"/>
+              <a:pPr/>
               <a:t>‹#›</a:t>
             </a:fld>
             <a:endParaRPr lang="en-IN"/>
@@ -319,7 +333,7 @@
     </p:spTree>
     <p:extLst>
       <p:ext uri="{BB962C8B-B14F-4D97-AF65-F5344CB8AC3E}">
-        <p14:creationId xmlns:p14="http://schemas.microsoft.com/office/powerpoint/2010/main" val="1853277554"/>
+        <p14:creationId xmlns:p14="http://schemas.microsoft.com/office/powerpoint/2010/main" xmlns="" val="1853277554"/>
       </p:ext>
     </p:extLst>
   </p:cSld>
@@ -351,7 +365,7 @@
           <p:cNvPr id="2" name="Title 1">
             <a:extLst>
               <a:ext uri="{FF2B5EF4-FFF2-40B4-BE49-F238E27FC236}">
-                <a16:creationId xmlns:a16="http://schemas.microsoft.com/office/drawing/2014/main" id="{46F074DC-3D7B-41B2-6D95-44C2971D78FD}"/>
+                <a16:creationId xmlns:a16="http://schemas.microsoft.com/office/drawing/2014/main" xmlns="" id="{46F074DC-3D7B-41B2-6D95-44C2971D78FD}"/>
               </a:ext>
             </a:extLst>
           </p:cNvPr>
@@ -380,7 +394,7 @@
           <p:cNvPr id="3" name="Vertical Text Placeholder 2">
             <a:extLst>
               <a:ext uri="{FF2B5EF4-FFF2-40B4-BE49-F238E27FC236}">
-                <a16:creationId xmlns:a16="http://schemas.microsoft.com/office/drawing/2014/main" id="{220B0BCA-46D0-21A6-F2D8-D651B9B814E1}"/>
+                <a16:creationId xmlns:a16="http://schemas.microsoft.com/office/drawing/2014/main" xmlns="" id="{220B0BCA-46D0-21A6-F2D8-D651B9B814E1}"/>
               </a:ext>
             </a:extLst>
           </p:cNvPr>
@@ -438,7 +452,7 @@
           <p:cNvPr id="4" name="Date Placeholder 3">
             <a:extLst>
               <a:ext uri="{FF2B5EF4-FFF2-40B4-BE49-F238E27FC236}">
-                <a16:creationId xmlns:a16="http://schemas.microsoft.com/office/drawing/2014/main" id="{27FA8C92-2A53-4AB8-64DD-24D80E0A42AE}"/>
+                <a16:creationId xmlns:a16="http://schemas.microsoft.com/office/drawing/2014/main" xmlns="" id="{27FA8C92-2A53-4AB8-64DD-24D80E0A42AE}"/>
               </a:ext>
             </a:extLst>
           </p:cNvPr>
@@ -456,7 +470,8 @@
           <a:p>
             <a:fld id="{48E5899F-1F0F-4D4E-9C8E-C48C481E236B}" type="datetimeFigureOut">
               <a:rPr lang="en-IN" smtClean="0"/>
-              <a:t>05-09-2025</a:t>
+              <a:pPr/>
+              <a:t>06-09-2025</a:t>
             </a:fld>
             <a:endParaRPr lang="en-IN"/>
           </a:p>
@@ -467,7 +482,7 @@
           <p:cNvPr id="5" name="Footer Placeholder 4">
             <a:extLst>
               <a:ext uri="{FF2B5EF4-FFF2-40B4-BE49-F238E27FC236}">
-                <a16:creationId xmlns:a16="http://schemas.microsoft.com/office/drawing/2014/main" id="{394A62E5-81A4-EB5E-F256-1B29EA0F1944}"/>
+                <a16:creationId xmlns:a16="http://schemas.microsoft.com/office/drawing/2014/main" xmlns="" id="{394A62E5-81A4-EB5E-F256-1B29EA0F1944}"/>
               </a:ext>
             </a:extLst>
           </p:cNvPr>
@@ -492,7 +507,7 @@
           <p:cNvPr id="6" name="Slide Number Placeholder 5">
             <a:extLst>
               <a:ext uri="{FF2B5EF4-FFF2-40B4-BE49-F238E27FC236}">
-                <a16:creationId xmlns:a16="http://schemas.microsoft.com/office/drawing/2014/main" id="{B6FF3126-5683-3450-E8D2-08043ECDDB15}"/>
+                <a16:creationId xmlns:a16="http://schemas.microsoft.com/office/drawing/2014/main" xmlns="" id="{B6FF3126-5683-3450-E8D2-08043ECDDB15}"/>
               </a:ext>
             </a:extLst>
           </p:cNvPr>
@@ -510,6 +525,7 @@
           <a:p>
             <a:fld id="{EB61AEEC-9A9F-4ADD-B0BE-86B98ED1E87E}" type="slidenum">
               <a:rPr lang="en-IN" smtClean="0"/>
+              <a:pPr/>
               <a:t>‹#›</a:t>
             </a:fld>
             <a:endParaRPr lang="en-IN"/>
@@ -519,7 +535,7 @@
     </p:spTree>
     <p:extLst>
       <p:ext uri="{BB962C8B-B14F-4D97-AF65-F5344CB8AC3E}">
-        <p14:creationId xmlns:p14="http://schemas.microsoft.com/office/powerpoint/2010/main" val="2015866467"/>
+        <p14:creationId xmlns:p14="http://schemas.microsoft.com/office/powerpoint/2010/main" xmlns="" val="2015866467"/>
       </p:ext>
     </p:extLst>
   </p:cSld>
@@ -551,7 +567,7 @@
           <p:cNvPr id="2" name="Vertical Title 1">
             <a:extLst>
               <a:ext uri="{FF2B5EF4-FFF2-40B4-BE49-F238E27FC236}">
-                <a16:creationId xmlns:a16="http://schemas.microsoft.com/office/drawing/2014/main" id="{A0142CF7-3B12-B48A-67C8-28B4F2A2F88D}"/>
+                <a16:creationId xmlns:a16="http://schemas.microsoft.com/office/drawing/2014/main" xmlns="" id="{A0142CF7-3B12-B48A-67C8-28B4F2A2F88D}"/>
               </a:ext>
             </a:extLst>
           </p:cNvPr>
@@ -585,7 +601,7 @@
           <p:cNvPr id="3" name="Vertical Text Placeholder 2">
             <a:extLst>
               <a:ext uri="{FF2B5EF4-FFF2-40B4-BE49-F238E27FC236}">
-                <a16:creationId xmlns:a16="http://schemas.microsoft.com/office/drawing/2014/main" id="{BA63BEDA-E2A7-A364-187A-0A937F8581BB}"/>
+                <a16:creationId xmlns:a16="http://schemas.microsoft.com/office/drawing/2014/main" xmlns="" id="{BA63BEDA-E2A7-A364-187A-0A937F8581BB}"/>
               </a:ext>
             </a:extLst>
           </p:cNvPr>
@@ -648,7 +664,7 @@
           <p:cNvPr id="4" name="Date Placeholder 3">
             <a:extLst>
               <a:ext uri="{FF2B5EF4-FFF2-40B4-BE49-F238E27FC236}">
-                <a16:creationId xmlns:a16="http://schemas.microsoft.com/office/drawing/2014/main" id="{6A5027F3-4B2D-E907-B86E-E571AB4AB524}"/>
+                <a16:creationId xmlns:a16="http://schemas.microsoft.com/office/drawing/2014/main" xmlns="" id="{6A5027F3-4B2D-E907-B86E-E571AB4AB524}"/>
               </a:ext>
             </a:extLst>
           </p:cNvPr>
@@ -666,7 +682,8 @@
           <a:p>
             <a:fld id="{48E5899F-1F0F-4D4E-9C8E-C48C481E236B}" type="datetimeFigureOut">
               <a:rPr lang="en-IN" smtClean="0"/>
-              <a:t>05-09-2025</a:t>
+              <a:pPr/>
+              <a:t>06-09-2025</a:t>
             </a:fld>
             <a:endParaRPr lang="en-IN"/>
           </a:p>
@@ -677,7 +694,7 @@
           <p:cNvPr id="5" name="Footer Placeholder 4">
             <a:extLst>
               <a:ext uri="{FF2B5EF4-FFF2-40B4-BE49-F238E27FC236}">
-                <a16:creationId xmlns:a16="http://schemas.microsoft.com/office/drawing/2014/main" id="{B13ED571-DCE8-1ACC-8444-500AE6B1396C}"/>
+                <a16:creationId xmlns:a16="http://schemas.microsoft.com/office/drawing/2014/main" xmlns="" id="{B13ED571-DCE8-1ACC-8444-500AE6B1396C}"/>
               </a:ext>
             </a:extLst>
           </p:cNvPr>
@@ -702,7 +719,7 @@
           <p:cNvPr id="6" name="Slide Number Placeholder 5">
             <a:extLst>
               <a:ext uri="{FF2B5EF4-FFF2-40B4-BE49-F238E27FC236}">
-                <a16:creationId xmlns:a16="http://schemas.microsoft.com/office/drawing/2014/main" id="{40B2F12D-6A57-49FC-73A6-370A6AC1FA20}"/>
+                <a16:creationId xmlns:a16="http://schemas.microsoft.com/office/drawing/2014/main" xmlns="" id="{40B2F12D-6A57-49FC-73A6-370A6AC1FA20}"/>
               </a:ext>
             </a:extLst>
           </p:cNvPr>
@@ -720,6 +737,7 @@
           <a:p>
             <a:fld id="{EB61AEEC-9A9F-4ADD-B0BE-86B98ED1E87E}" type="slidenum">
               <a:rPr lang="en-IN" smtClean="0"/>
+              <a:pPr/>
               <a:t>‹#›</a:t>
             </a:fld>
             <a:endParaRPr lang="en-IN"/>
@@ -729,7 +747,7 @@
     </p:spTree>
     <p:extLst>
       <p:ext uri="{BB962C8B-B14F-4D97-AF65-F5344CB8AC3E}">
-        <p14:creationId xmlns:p14="http://schemas.microsoft.com/office/powerpoint/2010/main" val="2302147268"/>
+        <p14:creationId xmlns:p14="http://schemas.microsoft.com/office/powerpoint/2010/main" xmlns="" val="2302147268"/>
       </p:ext>
     </p:extLst>
   </p:cSld>
@@ -761,7 +779,7 @@
           <p:cNvPr id="2" name="Title 1">
             <a:extLst>
               <a:ext uri="{FF2B5EF4-FFF2-40B4-BE49-F238E27FC236}">
-                <a16:creationId xmlns:a16="http://schemas.microsoft.com/office/drawing/2014/main" id="{30700C52-2B63-E5ED-3330-D2A5F38212AF}"/>
+                <a16:creationId xmlns:a16="http://schemas.microsoft.com/office/drawing/2014/main" xmlns="" id="{30700C52-2B63-E5ED-3330-D2A5F38212AF}"/>
               </a:ext>
             </a:extLst>
           </p:cNvPr>
@@ -790,7 +808,7 @@
           <p:cNvPr id="3" name="Content Placeholder 2">
             <a:extLst>
               <a:ext uri="{FF2B5EF4-FFF2-40B4-BE49-F238E27FC236}">
-                <a16:creationId xmlns:a16="http://schemas.microsoft.com/office/drawing/2014/main" id="{0EE52799-AE31-D781-9A50-A5A51883AACD}"/>
+                <a16:creationId xmlns:a16="http://schemas.microsoft.com/office/drawing/2014/main" xmlns="" id="{0EE52799-AE31-D781-9A50-A5A51883AACD}"/>
               </a:ext>
             </a:extLst>
           </p:cNvPr>
@@ -848,7 +866,7 @@
           <p:cNvPr id="4" name="Date Placeholder 3">
             <a:extLst>
               <a:ext uri="{FF2B5EF4-FFF2-40B4-BE49-F238E27FC236}">
-                <a16:creationId xmlns:a16="http://schemas.microsoft.com/office/drawing/2014/main" id="{A83C3E3D-5DCA-E712-6EA9-3D8850FB2E21}"/>
+                <a16:creationId xmlns:a16="http://schemas.microsoft.com/office/drawing/2014/main" xmlns="" id="{A83C3E3D-5DCA-E712-6EA9-3D8850FB2E21}"/>
               </a:ext>
             </a:extLst>
           </p:cNvPr>
@@ -866,7 +884,8 @@
           <a:p>
             <a:fld id="{48E5899F-1F0F-4D4E-9C8E-C48C481E236B}" type="datetimeFigureOut">
               <a:rPr lang="en-IN" smtClean="0"/>
-              <a:t>05-09-2025</a:t>
+              <a:pPr/>
+              <a:t>06-09-2025</a:t>
             </a:fld>
             <a:endParaRPr lang="en-IN"/>
           </a:p>
@@ -877,7 +896,7 @@
           <p:cNvPr id="5" name="Footer Placeholder 4">
             <a:extLst>
               <a:ext uri="{FF2B5EF4-FFF2-40B4-BE49-F238E27FC236}">
-                <a16:creationId xmlns:a16="http://schemas.microsoft.com/office/drawing/2014/main" id="{D43C656C-AC4E-8635-7931-F72C81F91E55}"/>
+                <a16:creationId xmlns:a16="http://schemas.microsoft.com/office/drawing/2014/main" xmlns="" id="{D43C656C-AC4E-8635-7931-F72C81F91E55}"/>
               </a:ext>
             </a:extLst>
           </p:cNvPr>
@@ -902,7 +921,7 @@
           <p:cNvPr id="6" name="Slide Number Placeholder 5">
             <a:extLst>
               <a:ext uri="{FF2B5EF4-FFF2-40B4-BE49-F238E27FC236}">
-                <a16:creationId xmlns:a16="http://schemas.microsoft.com/office/drawing/2014/main" id="{0687F12E-B0A1-C4AA-CC13-340E2CB62622}"/>
+                <a16:creationId xmlns:a16="http://schemas.microsoft.com/office/drawing/2014/main" xmlns="" id="{0687F12E-B0A1-C4AA-CC13-340E2CB62622}"/>
               </a:ext>
             </a:extLst>
           </p:cNvPr>
@@ -920,6 +939,7 @@
           <a:p>
             <a:fld id="{EB61AEEC-9A9F-4ADD-B0BE-86B98ED1E87E}" type="slidenum">
               <a:rPr lang="en-IN" smtClean="0"/>
+              <a:pPr/>
               <a:t>‹#›</a:t>
             </a:fld>
             <a:endParaRPr lang="en-IN"/>
@@ -929,7 +949,7 @@
     </p:spTree>
     <p:extLst>
       <p:ext uri="{BB962C8B-B14F-4D97-AF65-F5344CB8AC3E}">
-        <p14:creationId xmlns:p14="http://schemas.microsoft.com/office/powerpoint/2010/main" val="2929807409"/>
+        <p14:creationId xmlns:p14="http://schemas.microsoft.com/office/powerpoint/2010/main" xmlns="" val="2929807409"/>
       </p:ext>
     </p:extLst>
   </p:cSld>
@@ -961,7 +981,7 @@
           <p:cNvPr id="2" name="Title 1">
             <a:extLst>
               <a:ext uri="{FF2B5EF4-FFF2-40B4-BE49-F238E27FC236}">
-                <a16:creationId xmlns:a16="http://schemas.microsoft.com/office/drawing/2014/main" id="{6514C26E-2490-B137-B718-799156832831}"/>
+                <a16:creationId xmlns:a16="http://schemas.microsoft.com/office/drawing/2014/main" xmlns="" id="{6514C26E-2490-B137-B718-799156832831}"/>
               </a:ext>
             </a:extLst>
           </p:cNvPr>
@@ -999,7 +1019,7 @@
           <p:cNvPr id="3" name="Text Placeholder 2">
             <a:extLst>
               <a:ext uri="{FF2B5EF4-FFF2-40B4-BE49-F238E27FC236}">
-                <a16:creationId xmlns:a16="http://schemas.microsoft.com/office/drawing/2014/main" id="{4F3F3966-6657-CB3F-7FAF-39410E34C2EA}"/>
+                <a16:creationId xmlns:a16="http://schemas.microsoft.com/office/drawing/2014/main" xmlns="" id="{4F3F3966-6657-CB3F-7FAF-39410E34C2EA}"/>
               </a:ext>
             </a:extLst>
           </p:cNvPr>
@@ -1124,7 +1144,7 @@
           <p:cNvPr id="4" name="Date Placeholder 3">
             <a:extLst>
               <a:ext uri="{FF2B5EF4-FFF2-40B4-BE49-F238E27FC236}">
-                <a16:creationId xmlns:a16="http://schemas.microsoft.com/office/drawing/2014/main" id="{29FC2AC5-604A-1253-334C-E2811149B0C3}"/>
+                <a16:creationId xmlns:a16="http://schemas.microsoft.com/office/drawing/2014/main" xmlns="" id="{29FC2AC5-604A-1253-334C-E2811149B0C3}"/>
               </a:ext>
             </a:extLst>
           </p:cNvPr>
@@ -1142,7 +1162,8 @@
           <a:p>
             <a:fld id="{48E5899F-1F0F-4D4E-9C8E-C48C481E236B}" type="datetimeFigureOut">
               <a:rPr lang="en-IN" smtClean="0"/>
-              <a:t>05-09-2025</a:t>
+              <a:pPr/>
+              <a:t>06-09-2025</a:t>
             </a:fld>
             <a:endParaRPr lang="en-IN"/>
           </a:p>
@@ -1153,7 +1174,7 @@
           <p:cNvPr id="5" name="Footer Placeholder 4">
             <a:extLst>
               <a:ext uri="{FF2B5EF4-FFF2-40B4-BE49-F238E27FC236}">
-                <a16:creationId xmlns:a16="http://schemas.microsoft.com/office/drawing/2014/main" id="{0CB2DDAE-C202-AF2B-220B-81FE595C8DCF}"/>
+                <a16:creationId xmlns:a16="http://schemas.microsoft.com/office/drawing/2014/main" xmlns="" id="{0CB2DDAE-C202-AF2B-220B-81FE595C8DCF}"/>
               </a:ext>
             </a:extLst>
           </p:cNvPr>
@@ -1178,7 +1199,7 @@
           <p:cNvPr id="6" name="Slide Number Placeholder 5">
             <a:extLst>
               <a:ext uri="{FF2B5EF4-FFF2-40B4-BE49-F238E27FC236}">
-                <a16:creationId xmlns:a16="http://schemas.microsoft.com/office/drawing/2014/main" id="{E9DCD094-B36D-A09B-CC52-E39938E41B56}"/>
+                <a16:creationId xmlns:a16="http://schemas.microsoft.com/office/drawing/2014/main" xmlns="" id="{E9DCD094-B36D-A09B-CC52-E39938E41B56}"/>
               </a:ext>
             </a:extLst>
           </p:cNvPr>
@@ -1196,6 +1217,7 @@
           <a:p>
             <a:fld id="{EB61AEEC-9A9F-4ADD-B0BE-86B98ED1E87E}" type="slidenum">
               <a:rPr lang="en-IN" smtClean="0"/>
+              <a:pPr/>
               <a:t>‹#›</a:t>
             </a:fld>
             <a:endParaRPr lang="en-IN"/>
@@ -1205,7 +1227,7 @@
     </p:spTree>
     <p:extLst>
       <p:ext uri="{BB962C8B-B14F-4D97-AF65-F5344CB8AC3E}">
-        <p14:creationId xmlns:p14="http://schemas.microsoft.com/office/powerpoint/2010/main" val="668147285"/>
+        <p14:creationId xmlns:p14="http://schemas.microsoft.com/office/powerpoint/2010/main" xmlns="" val="668147285"/>
       </p:ext>
     </p:extLst>
   </p:cSld>
@@ -1237,7 +1259,7 @@
           <p:cNvPr id="2" name="Title 1">
             <a:extLst>
               <a:ext uri="{FF2B5EF4-FFF2-40B4-BE49-F238E27FC236}">
-                <a16:creationId xmlns:a16="http://schemas.microsoft.com/office/drawing/2014/main" id="{0E83612C-2567-D23C-B789-E5E04D368F83}"/>
+                <a16:creationId xmlns:a16="http://schemas.microsoft.com/office/drawing/2014/main" xmlns="" id="{0E83612C-2567-D23C-B789-E5E04D368F83}"/>
               </a:ext>
             </a:extLst>
           </p:cNvPr>
@@ -1266,7 +1288,7 @@
           <p:cNvPr id="3" name="Content Placeholder 2">
             <a:extLst>
               <a:ext uri="{FF2B5EF4-FFF2-40B4-BE49-F238E27FC236}">
-                <a16:creationId xmlns:a16="http://schemas.microsoft.com/office/drawing/2014/main" id="{6DA6F6E6-746F-F0C0-48F4-D7A769117873}"/>
+                <a16:creationId xmlns:a16="http://schemas.microsoft.com/office/drawing/2014/main" xmlns="" id="{6DA6F6E6-746F-F0C0-48F4-D7A769117873}"/>
               </a:ext>
             </a:extLst>
           </p:cNvPr>
@@ -1329,7 +1351,7 @@
           <p:cNvPr id="4" name="Content Placeholder 3">
             <a:extLst>
               <a:ext uri="{FF2B5EF4-FFF2-40B4-BE49-F238E27FC236}">
-                <a16:creationId xmlns:a16="http://schemas.microsoft.com/office/drawing/2014/main" id="{A137BD31-370C-DBE9-197C-B704252A823C}"/>
+                <a16:creationId xmlns:a16="http://schemas.microsoft.com/office/drawing/2014/main" xmlns="" id="{A137BD31-370C-DBE9-197C-B704252A823C}"/>
               </a:ext>
             </a:extLst>
           </p:cNvPr>
@@ -1392,7 +1414,7 @@
           <p:cNvPr id="5" name="Date Placeholder 4">
             <a:extLst>
               <a:ext uri="{FF2B5EF4-FFF2-40B4-BE49-F238E27FC236}">
-                <a16:creationId xmlns:a16="http://schemas.microsoft.com/office/drawing/2014/main" id="{F2217A3C-D9B1-9EDA-64A3-4E71C27DAE2A}"/>
+                <a16:creationId xmlns:a16="http://schemas.microsoft.com/office/drawing/2014/main" xmlns="" id="{F2217A3C-D9B1-9EDA-64A3-4E71C27DAE2A}"/>
               </a:ext>
             </a:extLst>
           </p:cNvPr>
@@ -1410,7 +1432,8 @@
           <a:p>
             <a:fld id="{48E5899F-1F0F-4D4E-9C8E-C48C481E236B}" type="datetimeFigureOut">
               <a:rPr lang="en-IN" smtClean="0"/>
-              <a:t>05-09-2025</a:t>
+              <a:pPr/>
+              <a:t>06-09-2025</a:t>
             </a:fld>
             <a:endParaRPr lang="en-IN"/>
           </a:p>
@@ -1421,7 +1444,7 @@
           <p:cNvPr id="6" name="Footer Placeholder 5">
             <a:extLst>
               <a:ext uri="{FF2B5EF4-FFF2-40B4-BE49-F238E27FC236}">
-                <a16:creationId xmlns:a16="http://schemas.microsoft.com/office/drawing/2014/main" id="{9DF9753C-80A2-7A00-9A40-9062F146D498}"/>
+                <a16:creationId xmlns:a16="http://schemas.microsoft.com/office/drawing/2014/main" xmlns="" id="{9DF9753C-80A2-7A00-9A40-9062F146D498}"/>
               </a:ext>
             </a:extLst>
           </p:cNvPr>
@@ -1446,7 +1469,7 @@
           <p:cNvPr id="7" name="Slide Number Placeholder 6">
             <a:extLst>
               <a:ext uri="{FF2B5EF4-FFF2-40B4-BE49-F238E27FC236}">
-                <a16:creationId xmlns:a16="http://schemas.microsoft.com/office/drawing/2014/main" id="{82CFD875-48F9-8145-8B63-67FEF1677085}"/>
+                <a16:creationId xmlns:a16="http://schemas.microsoft.com/office/drawing/2014/main" xmlns="" id="{82CFD875-48F9-8145-8B63-67FEF1677085}"/>
               </a:ext>
             </a:extLst>
           </p:cNvPr>
@@ -1464,6 +1487,7 @@
           <a:p>
             <a:fld id="{EB61AEEC-9A9F-4ADD-B0BE-86B98ED1E87E}" type="slidenum">
               <a:rPr lang="en-IN" smtClean="0"/>
+              <a:pPr/>
               <a:t>‹#›</a:t>
             </a:fld>
             <a:endParaRPr lang="en-IN"/>
@@ -1473,7 +1497,7 @@
     </p:spTree>
     <p:extLst>
       <p:ext uri="{BB962C8B-B14F-4D97-AF65-F5344CB8AC3E}">
-        <p14:creationId xmlns:p14="http://schemas.microsoft.com/office/powerpoint/2010/main" val="1553700791"/>
+        <p14:creationId xmlns:p14="http://schemas.microsoft.com/office/powerpoint/2010/main" xmlns="" val="1553700791"/>
       </p:ext>
     </p:extLst>
   </p:cSld>
@@ -1505,7 +1529,7 @@
           <p:cNvPr id="2" name="Title 1">
             <a:extLst>
               <a:ext uri="{FF2B5EF4-FFF2-40B4-BE49-F238E27FC236}">
-                <a16:creationId xmlns:a16="http://schemas.microsoft.com/office/drawing/2014/main" id="{E17F3DD2-3742-BB1D-E848-695DD469DBF9}"/>
+                <a16:creationId xmlns:a16="http://schemas.microsoft.com/office/drawing/2014/main" xmlns="" id="{E17F3DD2-3742-BB1D-E848-695DD469DBF9}"/>
               </a:ext>
             </a:extLst>
           </p:cNvPr>
@@ -1539,7 +1563,7 @@
           <p:cNvPr id="3" name="Text Placeholder 2">
             <a:extLst>
               <a:ext uri="{FF2B5EF4-FFF2-40B4-BE49-F238E27FC236}">
-                <a16:creationId xmlns:a16="http://schemas.microsoft.com/office/drawing/2014/main" id="{8589B644-3996-8A06-1E93-3028476FD3BD}"/>
+                <a16:creationId xmlns:a16="http://schemas.microsoft.com/office/drawing/2014/main" xmlns="" id="{8589B644-3996-8A06-1E93-3028476FD3BD}"/>
               </a:ext>
             </a:extLst>
           </p:cNvPr>
@@ -1610,7 +1634,7 @@
           <p:cNvPr id="4" name="Content Placeholder 3">
             <a:extLst>
               <a:ext uri="{FF2B5EF4-FFF2-40B4-BE49-F238E27FC236}">
-                <a16:creationId xmlns:a16="http://schemas.microsoft.com/office/drawing/2014/main" id="{507B6FB1-528D-4A1E-EC14-D96E3ED51490}"/>
+                <a16:creationId xmlns:a16="http://schemas.microsoft.com/office/drawing/2014/main" xmlns="" id="{507B6FB1-528D-4A1E-EC14-D96E3ED51490}"/>
               </a:ext>
             </a:extLst>
           </p:cNvPr>
@@ -1673,7 +1697,7 @@
           <p:cNvPr id="5" name="Text Placeholder 4">
             <a:extLst>
               <a:ext uri="{FF2B5EF4-FFF2-40B4-BE49-F238E27FC236}">
-                <a16:creationId xmlns:a16="http://schemas.microsoft.com/office/drawing/2014/main" id="{B220B49A-4DEB-F068-2920-C9F7522752D6}"/>
+                <a16:creationId xmlns:a16="http://schemas.microsoft.com/office/drawing/2014/main" xmlns="" id="{B220B49A-4DEB-F068-2920-C9F7522752D6}"/>
               </a:ext>
             </a:extLst>
           </p:cNvPr>
@@ -1744,7 +1768,7 @@
           <p:cNvPr id="6" name="Content Placeholder 5">
             <a:extLst>
               <a:ext uri="{FF2B5EF4-FFF2-40B4-BE49-F238E27FC236}">
-                <a16:creationId xmlns:a16="http://schemas.microsoft.com/office/drawing/2014/main" id="{638267C5-BB5C-1F0B-75A9-79B7BE03AA5A}"/>
+                <a16:creationId xmlns:a16="http://schemas.microsoft.com/office/drawing/2014/main" xmlns="" id="{638267C5-BB5C-1F0B-75A9-79B7BE03AA5A}"/>
               </a:ext>
             </a:extLst>
           </p:cNvPr>
@@ -1807,7 +1831,7 @@
           <p:cNvPr id="7" name="Date Placeholder 6">
             <a:extLst>
               <a:ext uri="{FF2B5EF4-FFF2-40B4-BE49-F238E27FC236}">
-                <a16:creationId xmlns:a16="http://schemas.microsoft.com/office/drawing/2014/main" id="{1067A44F-B2B7-9C31-9C96-8F730091B19D}"/>
+                <a16:creationId xmlns:a16="http://schemas.microsoft.com/office/drawing/2014/main" xmlns="" id="{1067A44F-B2B7-9C31-9C96-8F730091B19D}"/>
               </a:ext>
             </a:extLst>
           </p:cNvPr>
@@ -1825,7 +1849,8 @@
           <a:p>
             <a:fld id="{48E5899F-1F0F-4D4E-9C8E-C48C481E236B}" type="datetimeFigureOut">
               <a:rPr lang="en-IN" smtClean="0"/>
-              <a:t>05-09-2025</a:t>
+              <a:pPr/>
+              <a:t>06-09-2025</a:t>
             </a:fld>
             <a:endParaRPr lang="en-IN"/>
           </a:p>
@@ -1836,7 +1861,7 @@
           <p:cNvPr id="8" name="Footer Placeholder 7">
             <a:extLst>
               <a:ext uri="{FF2B5EF4-FFF2-40B4-BE49-F238E27FC236}">
-                <a16:creationId xmlns:a16="http://schemas.microsoft.com/office/drawing/2014/main" id="{C68B2F26-C075-F6B5-43A1-D909456D2181}"/>
+                <a16:creationId xmlns:a16="http://schemas.microsoft.com/office/drawing/2014/main" xmlns="" id="{C68B2F26-C075-F6B5-43A1-D909456D2181}"/>
               </a:ext>
             </a:extLst>
           </p:cNvPr>
@@ -1861,7 +1886,7 @@
           <p:cNvPr id="9" name="Slide Number Placeholder 8">
             <a:extLst>
               <a:ext uri="{FF2B5EF4-FFF2-40B4-BE49-F238E27FC236}">
-                <a16:creationId xmlns:a16="http://schemas.microsoft.com/office/drawing/2014/main" id="{2E6572F5-2847-2687-C54B-CBF365751291}"/>
+                <a16:creationId xmlns:a16="http://schemas.microsoft.com/office/drawing/2014/main" xmlns="" id="{2E6572F5-2847-2687-C54B-CBF365751291}"/>
               </a:ext>
             </a:extLst>
           </p:cNvPr>
@@ -1879,6 +1904,7 @@
           <a:p>
             <a:fld id="{EB61AEEC-9A9F-4ADD-B0BE-86B98ED1E87E}" type="slidenum">
               <a:rPr lang="en-IN" smtClean="0"/>
+              <a:pPr/>
               <a:t>‹#›</a:t>
             </a:fld>
             <a:endParaRPr lang="en-IN"/>
@@ -1888,7 +1914,7 @@
     </p:spTree>
     <p:extLst>
       <p:ext uri="{BB962C8B-B14F-4D97-AF65-F5344CB8AC3E}">
-        <p14:creationId xmlns:p14="http://schemas.microsoft.com/office/powerpoint/2010/main" val="3248323684"/>
+        <p14:creationId xmlns:p14="http://schemas.microsoft.com/office/powerpoint/2010/main" xmlns="" val="3248323684"/>
       </p:ext>
     </p:extLst>
   </p:cSld>
@@ -1920,7 +1946,7 @@
           <p:cNvPr id="2" name="Title 1">
             <a:extLst>
               <a:ext uri="{FF2B5EF4-FFF2-40B4-BE49-F238E27FC236}">
-                <a16:creationId xmlns:a16="http://schemas.microsoft.com/office/drawing/2014/main" id="{B8762CFD-B08C-B6B3-7F4B-41B7B33B390D}"/>
+                <a16:creationId xmlns:a16="http://schemas.microsoft.com/office/drawing/2014/main" xmlns="" id="{B8762CFD-B08C-B6B3-7F4B-41B7B33B390D}"/>
               </a:ext>
             </a:extLst>
           </p:cNvPr>
@@ -1949,7 +1975,7 @@
           <p:cNvPr id="3" name="Date Placeholder 2">
             <a:extLst>
               <a:ext uri="{FF2B5EF4-FFF2-40B4-BE49-F238E27FC236}">
-                <a16:creationId xmlns:a16="http://schemas.microsoft.com/office/drawing/2014/main" id="{95D6D926-166F-96F2-2ABD-5AE91F1A9BB1}"/>
+                <a16:creationId xmlns:a16="http://schemas.microsoft.com/office/drawing/2014/main" xmlns="" id="{95D6D926-166F-96F2-2ABD-5AE91F1A9BB1}"/>
               </a:ext>
             </a:extLst>
           </p:cNvPr>
@@ -1967,7 +1993,8 @@
           <a:p>
             <a:fld id="{48E5899F-1F0F-4D4E-9C8E-C48C481E236B}" type="datetimeFigureOut">
               <a:rPr lang="en-IN" smtClean="0"/>
-              <a:t>05-09-2025</a:t>
+              <a:pPr/>
+              <a:t>06-09-2025</a:t>
             </a:fld>
             <a:endParaRPr lang="en-IN"/>
           </a:p>
@@ -1978,7 +2005,7 @@
           <p:cNvPr id="4" name="Footer Placeholder 3">
             <a:extLst>
               <a:ext uri="{FF2B5EF4-FFF2-40B4-BE49-F238E27FC236}">
-                <a16:creationId xmlns:a16="http://schemas.microsoft.com/office/drawing/2014/main" id="{8E6F56C8-C45D-9255-3298-B956C38F54F9}"/>
+                <a16:creationId xmlns:a16="http://schemas.microsoft.com/office/drawing/2014/main" xmlns="" id="{8E6F56C8-C45D-9255-3298-B956C38F54F9}"/>
               </a:ext>
             </a:extLst>
           </p:cNvPr>
@@ -2003,7 +2030,7 @@
           <p:cNvPr id="5" name="Slide Number Placeholder 4">
             <a:extLst>
               <a:ext uri="{FF2B5EF4-FFF2-40B4-BE49-F238E27FC236}">
-                <a16:creationId xmlns:a16="http://schemas.microsoft.com/office/drawing/2014/main" id="{85D2B567-D8C8-170B-1CE7-81166C5D4EA0}"/>
+                <a16:creationId xmlns:a16="http://schemas.microsoft.com/office/drawing/2014/main" xmlns="" id="{85D2B567-D8C8-170B-1CE7-81166C5D4EA0}"/>
               </a:ext>
             </a:extLst>
           </p:cNvPr>
@@ -2021,6 +2048,7 @@
           <a:p>
             <a:fld id="{EB61AEEC-9A9F-4ADD-B0BE-86B98ED1E87E}" type="slidenum">
               <a:rPr lang="en-IN" smtClean="0"/>
+              <a:pPr/>
               <a:t>‹#›</a:t>
             </a:fld>
             <a:endParaRPr lang="en-IN"/>
@@ -2030,7 +2058,7 @@
     </p:spTree>
     <p:extLst>
       <p:ext uri="{BB962C8B-B14F-4D97-AF65-F5344CB8AC3E}">
-        <p14:creationId xmlns:p14="http://schemas.microsoft.com/office/powerpoint/2010/main" val="3307691608"/>
+        <p14:creationId xmlns:p14="http://schemas.microsoft.com/office/powerpoint/2010/main" xmlns="" val="3307691608"/>
       </p:ext>
     </p:extLst>
   </p:cSld>
@@ -2062,7 +2090,7 @@
           <p:cNvPr id="2" name="Date Placeholder 1">
             <a:extLst>
               <a:ext uri="{FF2B5EF4-FFF2-40B4-BE49-F238E27FC236}">
-                <a16:creationId xmlns:a16="http://schemas.microsoft.com/office/drawing/2014/main" id="{2FBF07A8-8DDB-4685-297B-FF13BB46BDAE}"/>
+                <a16:creationId xmlns:a16="http://schemas.microsoft.com/office/drawing/2014/main" xmlns="" id="{2FBF07A8-8DDB-4685-297B-FF13BB46BDAE}"/>
               </a:ext>
             </a:extLst>
           </p:cNvPr>
@@ -2080,7 +2108,8 @@
           <a:p>
             <a:fld id="{48E5899F-1F0F-4D4E-9C8E-C48C481E236B}" type="datetimeFigureOut">
               <a:rPr lang="en-IN" smtClean="0"/>
-              <a:t>05-09-2025</a:t>
+              <a:pPr/>
+              <a:t>06-09-2025</a:t>
             </a:fld>
             <a:endParaRPr lang="en-IN"/>
           </a:p>
@@ -2091,7 +2120,7 @@
           <p:cNvPr id="3" name="Footer Placeholder 2">
             <a:extLst>
               <a:ext uri="{FF2B5EF4-FFF2-40B4-BE49-F238E27FC236}">
-                <a16:creationId xmlns:a16="http://schemas.microsoft.com/office/drawing/2014/main" id="{DFB0328B-C9FA-78DC-F7F8-533280872B4D}"/>
+                <a16:creationId xmlns:a16="http://schemas.microsoft.com/office/drawing/2014/main" xmlns="" id="{DFB0328B-C9FA-78DC-F7F8-533280872B4D}"/>
               </a:ext>
             </a:extLst>
           </p:cNvPr>
@@ -2116,7 +2145,7 @@
           <p:cNvPr id="4" name="Slide Number Placeholder 3">
             <a:extLst>
               <a:ext uri="{FF2B5EF4-FFF2-40B4-BE49-F238E27FC236}">
-                <a16:creationId xmlns:a16="http://schemas.microsoft.com/office/drawing/2014/main" id="{AF6FEF66-917B-0C78-BFD4-6E085C302197}"/>
+                <a16:creationId xmlns:a16="http://schemas.microsoft.com/office/drawing/2014/main" xmlns="" id="{AF6FEF66-917B-0C78-BFD4-6E085C302197}"/>
               </a:ext>
             </a:extLst>
           </p:cNvPr>
@@ -2134,6 +2163,7 @@
           <a:p>
             <a:fld id="{EB61AEEC-9A9F-4ADD-B0BE-86B98ED1E87E}" type="slidenum">
               <a:rPr lang="en-IN" smtClean="0"/>
+              <a:pPr/>
               <a:t>‹#›</a:t>
             </a:fld>
             <a:endParaRPr lang="en-IN"/>
@@ -2143,7 +2173,7 @@
     </p:spTree>
     <p:extLst>
       <p:ext uri="{BB962C8B-B14F-4D97-AF65-F5344CB8AC3E}">
-        <p14:creationId xmlns:p14="http://schemas.microsoft.com/office/powerpoint/2010/main" val="936637120"/>
+        <p14:creationId xmlns:p14="http://schemas.microsoft.com/office/powerpoint/2010/main" xmlns="" val="936637120"/>
       </p:ext>
     </p:extLst>
   </p:cSld>
@@ -2175,7 +2205,7 @@
           <p:cNvPr id="2" name="Title 1">
             <a:extLst>
               <a:ext uri="{FF2B5EF4-FFF2-40B4-BE49-F238E27FC236}">
-                <a16:creationId xmlns:a16="http://schemas.microsoft.com/office/drawing/2014/main" id="{46C57435-3AEE-1D6C-AA94-72A5685284FB}"/>
+                <a16:creationId xmlns:a16="http://schemas.microsoft.com/office/drawing/2014/main" xmlns="" id="{46C57435-3AEE-1D6C-AA94-72A5685284FB}"/>
               </a:ext>
             </a:extLst>
           </p:cNvPr>
@@ -2213,7 +2243,7 @@
           <p:cNvPr id="3" name="Content Placeholder 2">
             <a:extLst>
               <a:ext uri="{FF2B5EF4-FFF2-40B4-BE49-F238E27FC236}">
-                <a16:creationId xmlns:a16="http://schemas.microsoft.com/office/drawing/2014/main" id="{C68FF273-CECE-B019-0B6D-A3FAED6C06F0}"/>
+                <a16:creationId xmlns:a16="http://schemas.microsoft.com/office/drawing/2014/main" xmlns="" id="{C68FF273-CECE-B019-0B6D-A3FAED6C06F0}"/>
               </a:ext>
             </a:extLst>
           </p:cNvPr>
@@ -2304,7 +2334,7 @@
           <p:cNvPr id="4" name="Text Placeholder 3">
             <a:extLst>
               <a:ext uri="{FF2B5EF4-FFF2-40B4-BE49-F238E27FC236}">
-                <a16:creationId xmlns:a16="http://schemas.microsoft.com/office/drawing/2014/main" id="{CA07702F-12C7-2049-A2B7-EBE98A181984}"/>
+                <a16:creationId xmlns:a16="http://schemas.microsoft.com/office/drawing/2014/main" xmlns="" id="{CA07702F-12C7-2049-A2B7-EBE98A181984}"/>
               </a:ext>
             </a:extLst>
           </p:cNvPr>
@@ -2375,7 +2405,7 @@
           <p:cNvPr id="5" name="Date Placeholder 4">
             <a:extLst>
               <a:ext uri="{FF2B5EF4-FFF2-40B4-BE49-F238E27FC236}">
-                <a16:creationId xmlns:a16="http://schemas.microsoft.com/office/drawing/2014/main" id="{2524E8D3-DE37-EBC1-E612-2FCC9115E323}"/>
+                <a16:creationId xmlns:a16="http://schemas.microsoft.com/office/drawing/2014/main" xmlns="" id="{2524E8D3-DE37-EBC1-E612-2FCC9115E323}"/>
               </a:ext>
             </a:extLst>
           </p:cNvPr>
@@ -2393,7 +2423,8 @@
           <a:p>
             <a:fld id="{48E5899F-1F0F-4D4E-9C8E-C48C481E236B}" type="datetimeFigureOut">
               <a:rPr lang="en-IN" smtClean="0"/>
-              <a:t>05-09-2025</a:t>
+              <a:pPr/>
+              <a:t>06-09-2025</a:t>
             </a:fld>
             <a:endParaRPr lang="en-IN"/>
           </a:p>
@@ -2404,7 +2435,7 @@
           <p:cNvPr id="6" name="Footer Placeholder 5">
             <a:extLst>
               <a:ext uri="{FF2B5EF4-FFF2-40B4-BE49-F238E27FC236}">
-                <a16:creationId xmlns:a16="http://schemas.microsoft.com/office/drawing/2014/main" id="{160BD6AC-3665-CC85-1DB9-EB1EFCAEC9B0}"/>
+                <a16:creationId xmlns:a16="http://schemas.microsoft.com/office/drawing/2014/main" xmlns="" id="{160BD6AC-3665-CC85-1DB9-EB1EFCAEC9B0}"/>
               </a:ext>
             </a:extLst>
           </p:cNvPr>
@@ -2429,7 +2460,7 @@
           <p:cNvPr id="7" name="Slide Number Placeholder 6">
             <a:extLst>
               <a:ext uri="{FF2B5EF4-FFF2-40B4-BE49-F238E27FC236}">
-                <a16:creationId xmlns:a16="http://schemas.microsoft.com/office/drawing/2014/main" id="{74B1C94B-1EC1-B0CA-CB87-06E108BEF8F6}"/>
+                <a16:creationId xmlns:a16="http://schemas.microsoft.com/office/drawing/2014/main" xmlns="" id="{74B1C94B-1EC1-B0CA-CB87-06E108BEF8F6}"/>
               </a:ext>
             </a:extLst>
           </p:cNvPr>
@@ -2447,6 +2478,7 @@
           <a:p>
             <a:fld id="{EB61AEEC-9A9F-4ADD-B0BE-86B98ED1E87E}" type="slidenum">
               <a:rPr lang="en-IN" smtClean="0"/>
+              <a:pPr/>
               <a:t>‹#›</a:t>
             </a:fld>
             <a:endParaRPr lang="en-IN"/>
@@ -2456,7 +2488,7 @@
     </p:spTree>
     <p:extLst>
       <p:ext uri="{BB962C8B-B14F-4D97-AF65-F5344CB8AC3E}">
-        <p14:creationId xmlns:p14="http://schemas.microsoft.com/office/powerpoint/2010/main" val="4110536868"/>
+        <p14:creationId xmlns:p14="http://schemas.microsoft.com/office/powerpoint/2010/main" xmlns="" val="4110536868"/>
       </p:ext>
     </p:extLst>
   </p:cSld>
@@ -2488,7 +2520,7 @@
           <p:cNvPr id="2" name="Title 1">
             <a:extLst>
               <a:ext uri="{FF2B5EF4-FFF2-40B4-BE49-F238E27FC236}">
-                <a16:creationId xmlns:a16="http://schemas.microsoft.com/office/drawing/2014/main" id="{558B7070-6246-703E-7871-2D02A93CF8EC}"/>
+                <a16:creationId xmlns:a16="http://schemas.microsoft.com/office/drawing/2014/main" xmlns="" id="{558B7070-6246-703E-7871-2D02A93CF8EC}"/>
               </a:ext>
             </a:extLst>
           </p:cNvPr>
@@ -2526,7 +2558,7 @@
           <p:cNvPr id="3" name="Picture Placeholder 2">
             <a:extLst>
               <a:ext uri="{FF2B5EF4-FFF2-40B4-BE49-F238E27FC236}">
-                <a16:creationId xmlns:a16="http://schemas.microsoft.com/office/drawing/2014/main" id="{1A162148-4AD5-1950-25EA-4723BA471A41}"/>
+                <a16:creationId xmlns:a16="http://schemas.microsoft.com/office/drawing/2014/main" xmlns="" id="{1A162148-4AD5-1950-25EA-4723BA471A41}"/>
               </a:ext>
             </a:extLst>
           </p:cNvPr>
@@ -2593,7 +2625,7 @@
           <p:cNvPr id="4" name="Text Placeholder 3">
             <a:extLst>
               <a:ext uri="{FF2B5EF4-FFF2-40B4-BE49-F238E27FC236}">
-                <a16:creationId xmlns:a16="http://schemas.microsoft.com/office/drawing/2014/main" id="{BDB7FE7C-E123-7BDC-EA09-6BBB54FA9238}"/>
+                <a16:creationId xmlns:a16="http://schemas.microsoft.com/office/drawing/2014/main" xmlns="" id="{BDB7FE7C-E123-7BDC-EA09-6BBB54FA9238}"/>
               </a:ext>
             </a:extLst>
           </p:cNvPr>
@@ -2664,7 +2696,7 @@
           <p:cNvPr id="5" name="Date Placeholder 4">
             <a:extLst>
               <a:ext uri="{FF2B5EF4-FFF2-40B4-BE49-F238E27FC236}">
-                <a16:creationId xmlns:a16="http://schemas.microsoft.com/office/drawing/2014/main" id="{D9209D4A-28FD-F772-4505-23DCE5403582}"/>
+                <a16:creationId xmlns:a16="http://schemas.microsoft.com/office/drawing/2014/main" xmlns="" id="{D9209D4A-28FD-F772-4505-23DCE5403582}"/>
               </a:ext>
             </a:extLst>
           </p:cNvPr>
@@ -2682,7 +2714,8 @@
           <a:p>
             <a:fld id="{48E5899F-1F0F-4D4E-9C8E-C48C481E236B}" type="datetimeFigureOut">
               <a:rPr lang="en-IN" smtClean="0"/>
-              <a:t>05-09-2025</a:t>
+              <a:pPr/>
+              <a:t>06-09-2025</a:t>
             </a:fld>
             <a:endParaRPr lang="en-IN"/>
           </a:p>
@@ -2693,7 +2726,7 @@
           <p:cNvPr id="6" name="Footer Placeholder 5">
             <a:extLst>
               <a:ext uri="{FF2B5EF4-FFF2-40B4-BE49-F238E27FC236}">
-                <a16:creationId xmlns:a16="http://schemas.microsoft.com/office/drawing/2014/main" id="{5C99349A-F0E5-DFF4-EE61-CD8FA357112D}"/>
+                <a16:creationId xmlns:a16="http://schemas.microsoft.com/office/drawing/2014/main" xmlns="" id="{5C99349A-F0E5-DFF4-EE61-CD8FA357112D}"/>
               </a:ext>
             </a:extLst>
           </p:cNvPr>
@@ -2718,7 +2751,7 @@
           <p:cNvPr id="7" name="Slide Number Placeholder 6">
             <a:extLst>
               <a:ext uri="{FF2B5EF4-FFF2-40B4-BE49-F238E27FC236}">
-                <a16:creationId xmlns:a16="http://schemas.microsoft.com/office/drawing/2014/main" id="{9F1D4E43-5BB3-0FB8-01B2-0BCBC64EE6C4}"/>
+                <a16:creationId xmlns:a16="http://schemas.microsoft.com/office/drawing/2014/main" xmlns="" id="{9F1D4E43-5BB3-0FB8-01B2-0BCBC64EE6C4}"/>
               </a:ext>
             </a:extLst>
           </p:cNvPr>
@@ -2736,6 +2769,7 @@
           <a:p>
             <a:fld id="{EB61AEEC-9A9F-4ADD-B0BE-86B98ED1E87E}" type="slidenum">
               <a:rPr lang="en-IN" smtClean="0"/>
+              <a:pPr/>
               <a:t>‹#›</a:t>
             </a:fld>
             <a:endParaRPr lang="en-IN"/>
@@ -2745,7 +2779,7 @@
     </p:spTree>
     <p:extLst>
       <p:ext uri="{BB962C8B-B14F-4D97-AF65-F5344CB8AC3E}">
-        <p14:creationId xmlns:p14="http://schemas.microsoft.com/office/powerpoint/2010/main" val="1118208546"/>
+        <p14:creationId xmlns:p14="http://schemas.microsoft.com/office/powerpoint/2010/main" xmlns="" val="1118208546"/>
       </p:ext>
     </p:extLst>
   </p:cSld>
@@ -2760,7 +2794,7 @@
   <p:cSld>
     <p:bg>
       <p:bgRef idx="1001">
-        <a:schemeClr val="bg1"/>
+        <a:schemeClr val="bg2"/>
       </p:bgRef>
     </p:bg>
     <p:spTree>
@@ -2782,7 +2816,7 @@
           <p:cNvPr id="2" name="Title Placeholder 1">
             <a:extLst>
               <a:ext uri="{FF2B5EF4-FFF2-40B4-BE49-F238E27FC236}">
-                <a16:creationId xmlns:a16="http://schemas.microsoft.com/office/drawing/2014/main" id="{000350FA-14DF-4306-03A5-959E5817BEBF}"/>
+                <a16:creationId xmlns:a16="http://schemas.microsoft.com/office/drawing/2014/main" xmlns="" id="{000350FA-14DF-4306-03A5-959E5817BEBF}"/>
               </a:ext>
             </a:extLst>
           </p:cNvPr>
@@ -2821,7 +2855,7 @@
           <p:cNvPr id="3" name="Text Placeholder 2">
             <a:extLst>
               <a:ext uri="{FF2B5EF4-FFF2-40B4-BE49-F238E27FC236}">
-                <a16:creationId xmlns:a16="http://schemas.microsoft.com/office/drawing/2014/main" id="{0029BF80-F6FA-38F0-7406-065D34BF50AB}"/>
+                <a16:creationId xmlns:a16="http://schemas.microsoft.com/office/drawing/2014/main" xmlns="" id="{0029BF80-F6FA-38F0-7406-065D34BF50AB}"/>
               </a:ext>
             </a:extLst>
           </p:cNvPr>
@@ -2889,7 +2923,7 @@
           <p:cNvPr id="4" name="Date Placeholder 3">
             <a:extLst>
               <a:ext uri="{FF2B5EF4-FFF2-40B4-BE49-F238E27FC236}">
-                <a16:creationId xmlns:a16="http://schemas.microsoft.com/office/drawing/2014/main" id="{57C7C9AB-6200-0CDD-D7EB-637694537FA5}"/>
+                <a16:creationId xmlns:a16="http://schemas.microsoft.com/office/drawing/2014/main" xmlns="" id="{57C7C9AB-6200-0CDD-D7EB-637694537FA5}"/>
               </a:ext>
             </a:extLst>
           </p:cNvPr>
@@ -2925,7 +2959,8 @@
           <a:p>
             <a:fld id="{48E5899F-1F0F-4D4E-9C8E-C48C481E236B}" type="datetimeFigureOut">
               <a:rPr lang="en-IN" smtClean="0"/>
-              <a:t>05-09-2025</a:t>
+              <a:pPr/>
+              <a:t>06-09-2025</a:t>
             </a:fld>
             <a:endParaRPr lang="en-IN"/>
           </a:p>
@@ -2936,7 +2971,7 @@
           <p:cNvPr id="5" name="Footer Placeholder 4">
             <a:extLst>
               <a:ext uri="{FF2B5EF4-FFF2-40B4-BE49-F238E27FC236}">
-                <a16:creationId xmlns:a16="http://schemas.microsoft.com/office/drawing/2014/main" id="{7A896029-3DB1-3EE7-8CC9-52FE1C3D2668}"/>
+                <a16:creationId xmlns:a16="http://schemas.microsoft.com/office/drawing/2014/main" xmlns="" id="{7A896029-3DB1-3EE7-8CC9-52FE1C3D2668}"/>
               </a:ext>
             </a:extLst>
           </p:cNvPr>
@@ -2979,7 +3014,7 @@
           <p:cNvPr id="6" name="Slide Number Placeholder 5">
             <a:extLst>
               <a:ext uri="{FF2B5EF4-FFF2-40B4-BE49-F238E27FC236}">
-                <a16:creationId xmlns:a16="http://schemas.microsoft.com/office/drawing/2014/main" id="{1B167504-4083-6E25-E436-AA6CB7F19578}"/>
+                <a16:creationId xmlns:a16="http://schemas.microsoft.com/office/drawing/2014/main" xmlns="" id="{1B167504-4083-6E25-E436-AA6CB7F19578}"/>
               </a:ext>
             </a:extLst>
           </p:cNvPr>
@@ -3015,6 +3050,7 @@
           <a:p>
             <a:fld id="{EB61AEEC-9A9F-4ADD-B0BE-86B98ED1E87E}" type="slidenum">
               <a:rPr lang="en-IN" smtClean="0"/>
+              <a:pPr/>
               <a:t>‹#›</a:t>
             </a:fld>
             <a:endParaRPr lang="en-IN"/>
@@ -3024,11 +3060,11 @@
     </p:spTree>
     <p:extLst>
       <p:ext uri="{BB962C8B-B14F-4D97-AF65-F5344CB8AC3E}">
-        <p14:creationId xmlns:p14="http://schemas.microsoft.com/office/powerpoint/2010/main" val="822478849"/>
+        <p14:creationId xmlns:p14="http://schemas.microsoft.com/office/powerpoint/2010/main" xmlns="" val="822478849"/>
       </p:ext>
     </p:extLst>
   </p:cSld>
-  <p:clrMap bg1="lt1" tx1="dk1" bg2="lt2" tx2="dk2" accent1="accent1" accent2="accent2" accent3="accent3" accent4="accent4" accent5="accent5" accent6="accent6" hlink="hlink" folHlink="folHlink"/>
+  <p:clrMap bg1="dk1" tx1="lt1" bg2="dk2" tx2="lt2" accent1="accent1" accent2="accent2" accent3="accent3" accent4="accent4" accent5="accent5" accent6="accent6" hlink="hlink" folHlink="folHlink"/>
   <p:sldLayoutIdLst>
     <p:sldLayoutId id="2147483649" r:id="rId1"/>
     <p:sldLayoutId id="2147483650" r:id="rId2"/>
@@ -3347,7 +3383,7 @@
           <p:cNvPr id="2" name="Title 1">
             <a:extLst>
               <a:ext uri="{FF2B5EF4-FFF2-40B4-BE49-F238E27FC236}">
-                <a16:creationId xmlns:a16="http://schemas.microsoft.com/office/drawing/2014/main" id="{A28A1213-14DD-6C8C-5412-3E0D7238AF0E}"/>
+                <a16:creationId xmlns:a16="http://schemas.microsoft.com/office/drawing/2014/main" xmlns="" id="{A28A1213-14DD-6C8C-5412-3E0D7238AF0E}"/>
               </a:ext>
             </a:extLst>
           </p:cNvPr>
@@ -3363,7 +3399,11 @@
           <a:bodyPr/>
           <a:lstStyle/>
           <a:p>
-            <a:endParaRPr lang="en-IN"/>
+            <a:r>
+              <a:rPr lang="en-IN" dirty="0" smtClean="0"/>
+              <a:t>Online Food Delivery Application</a:t>
+            </a:r>
+            <a:endParaRPr lang="en-IN" dirty="0"/>
           </a:p>
         </p:txBody>
       </p:sp>
@@ -3372,7 +3412,7 @@
           <p:cNvPr id="3" name="Subtitle 2">
             <a:extLst>
               <a:ext uri="{FF2B5EF4-FFF2-40B4-BE49-F238E27FC236}">
-                <a16:creationId xmlns:a16="http://schemas.microsoft.com/office/drawing/2014/main" id="{0A163D84-0134-0EB6-599B-D33053D05ED9}"/>
+                <a16:creationId xmlns:a16="http://schemas.microsoft.com/office/drawing/2014/main" xmlns="" id="{0A163D84-0134-0EB6-599B-D33053D05ED9}"/>
               </a:ext>
             </a:extLst>
           </p:cNvPr>
@@ -3388,16 +3428,1518 @@
           <a:bodyPr/>
           <a:lstStyle/>
           <a:p>
-            <a:endParaRPr lang="en-IN"/>
+            <a:r>
+              <a:rPr lang="en-IN" dirty="0" smtClean="0"/>
+              <a:t>Vishnu Narayanan – 8 Sept 2025</a:t>
+            </a:r>
+            <a:endParaRPr lang="en-IN" dirty="0"/>
           </a:p>
         </p:txBody>
       </p:sp>
     </p:spTree>
     <p:extLst>
       <p:ext uri="{BB962C8B-B14F-4D97-AF65-F5344CB8AC3E}">
-        <p14:creationId xmlns:p14="http://schemas.microsoft.com/office/powerpoint/2010/main" val="2660743277"/>
+        <p14:creationId xmlns:p14="http://schemas.microsoft.com/office/powerpoint/2010/main" xmlns="" val="2660743277"/>
       </p:ext>
     </p:extLst>
+  </p:cSld>
+  <p:clrMapOvr>
+    <a:masterClrMapping/>
+  </p:clrMapOvr>
+</p:sld>
+</file>
+
+<file path=ppt/slides/slide10.xml><?xml version="1.0" encoding="utf-8"?>
+<p:sld xmlns:a="http://schemas.openxmlformats.org/drawingml/2006/main" xmlns:r="http://schemas.openxmlformats.org/officeDocument/2006/relationships" xmlns:p="http://schemas.openxmlformats.org/presentationml/2006/main">
+  <p:cSld>
+    <p:spTree>
+      <p:nvGrpSpPr>
+        <p:cNvPr id="1" name=""/>
+        <p:cNvGrpSpPr/>
+        <p:nvPr/>
+      </p:nvGrpSpPr>
+      <p:grpSpPr>
+        <a:xfrm>
+          <a:off x="0" y="0"/>
+          <a:ext cx="0" cy="0"/>
+          <a:chOff x="0" y="0"/>
+          <a:chExt cx="0" cy="0"/>
+        </a:xfrm>
+      </p:grpSpPr>
+      <p:sp>
+        <p:nvSpPr>
+          <p:cNvPr id="2" name="Title 1"/>
+          <p:cNvSpPr>
+            <a:spLocks noGrp="1"/>
+          </p:cNvSpPr>
+          <p:nvPr>
+            <p:ph type="title"/>
+          </p:nvPr>
+        </p:nvSpPr>
+        <p:spPr/>
+        <p:txBody>
+          <a:bodyPr/>
+          <a:lstStyle/>
+          <a:p>
+            <a:r>
+              <a:rPr lang="en-US" dirty="0" smtClean="0"/>
+              <a:t>Testing &amp; Approach</a:t>
+            </a:r>
+            <a:endParaRPr lang="en-US" dirty="0"/>
+          </a:p>
+        </p:txBody>
+      </p:sp>
+      <p:sp>
+        <p:nvSpPr>
+          <p:cNvPr id="3" name="Content Placeholder 2"/>
+          <p:cNvSpPr>
+            <a:spLocks noGrp="1"/>
+          </p:cNvSpPr>
+          <p:nvPr>
+            <p:ph idx="1"/>
+          </p:nvPr>
+        </p:nvSpPr>
+        <p:spPr/>
+        <p:txBody>
+          <a:bodyPr/>
+          <a:lstStyle/>
+          <a:p>
+            <a:r>
+              <a:rPr lang="en-US" b="1" dirty="0" smtClean="0"/>
+              <a:t>Unit Testing</a:t>
+            </a:r>
+            <a:r>
+              <a:rPr lang="en-US" dirty="0" smtClean="0"/>
+              <a:t>: </a:t>
+            </a:r>
+            <a:r>
+              <a:rPr lang="en-US" dirty="0" err="1" smtClean="0"/>
+              <a:t>JUnit</a:t>
+            </a:r>
+            <a:r>
+              <a:rPr lang="en-US" dirty="0" smtClean="0"/>
+              <a:t>, </a:t>
+            </a:r>
+            <a:r>
+              <a:rPr lang="en-US" dirty="0" err="1" smtClean="0"/>
+              <a:t>Mockito</a:t>
+            </a:r>
+            <a:r>
+              <a:rPr lang="en-US" dirty="0" smtClean="0"/>
+              <a:t> (backend).</a:t>
+            </a:r>
+          </a:p>
+          <a:p>
+            <a:r>
+              <a:rPr lang="en-US" b="1" dirty="0" smtClean="0"/>
+              <a:t>Integration Testing</a:t>
+            </a:r>
+            <a:r>
+              <a:rPr lang="en-US" dirty="0" smtClean="0"/>
+              <a:t>: Postman, Spring Boot Test.</a:t>
+            </a:r>
+          </a:p>
+          <a:p>
+            <a:r>
+              <a:rPr lang="en-US" b="1" dirty="0" smtClean="0"/>
+              <a:t>User Acceptance Testing (UAT)</a:t>
+            </a:r>
+            <a:r>
+              <a:rPr lang="en-US" dirty="0" smtClean="0"/>
+              <a:t>: Testing workflows with role-based users.</a:t>
+            </a:r>
+          </a:p>
+          <a:p>
+            <a:r>
+              <a:rPr lang="en-US" b="1" dirty="0" smtClean="0"/>
+              <a:t>Continuous Testing</a:t>
+            </a:r>
+            <a:r>
+              <a:rPr lang="en-US" dirty="0" smtClean="0"/>
+              <a:t>: </a:t>
+            </a:r>
+            <a:r>
+              <a:rPr lang="en-US" dirty="0" err="1" smtClean="0"/>
+              <a:t>GitHub</a:t>
+            </a:r>
+            <a:r>
+              <a:rPr lang="en-US" dirty="0" smtClean="0"/>
+              <a:t> Actions (optional future CI/CD).</a:t>
+            </a:r>
+          </a:p>
+          <a:p>
+            <a:endParaRPr lang="en-US" dirty="0"/>
+          </a:p>
+        </p:txBody>
+      </p:sp>
+    </p:spTree>
+  </p:cSld>
+  <p:clrMapOvr>
+    <a:masterClrMapping/>
+  </p:clrMapOvr>
+</p:sld>
+</file>
+
+<file path=ppt/slides/slide11.xml><?xml version="1.0" encoding="utf-8"?>
+<p:sld xmlns:a="http://schemas.openxmlformats.org/drawingml/2006/main" xmlns:r="http://schemas.openxmlformats.org/officeDocument/2006/relationships" xmlns:p="http://schemas.openxmlformats.org/presentationml/2006/main">
+  <p:cSld>
+    <p:spTree>
+      <p:nvGrpSpPr>
+        <p:cNvPr id="1" name=""/>
+        <p:cNvGrpSpPr/>
+        <p:nvPr/>
+      </p:nvGrpSpPr>
+      <p:grpSpPr>
+        <a:xfrm>
+          <a:off x="0" y="0"/>
+          <a:ext cx="0" cy="0"/>
+          <a:chOff x="0" y="0"/>
+          <a:chExt cx="0" cy="0"/>
+        </a:xfrm>
+      </p:grpSpPr>
+      <p:sp>
+        <p:nvSpPr>
+          <p:cNvPr id="2" name="Title 1"/>
+          <p:cNvSpPr>
+            <a:spLocks noGrp="1"/>
+          </p:cNvSpPr>
+          <p:nvPr>
+            <p:ph type="title"/>
+          </p:nvPr>
+        </p:nvSpPr>
+        <p:spPr/>
+        <p:txBody>
+          <a:bodyPr/>
+          <a:lstStyle/>
+          <a:p>
+            <a:r>
+              <a:rPr lang="en-US" dirty="0" smtClean="0"/>
+              <a:t>Comparison with Existing Systems (e.g., </a:t>
+            </a:r>
+            <a:r>
+              <a:rPr lang="en-US" dirty="0" err="1" smtClean="0"/>
+              <a:t>DoorDash</a:t>
+            </a:r>
+            <a:r>
+              <a:rPr lang="en-US" dirty="0" smtClean="0"/>
+              <a:t>, </a:t>
+            </a:r>
+            <a:r>
+              <a:rPr lang="en-US" dirty="0" err="1" smtClean="0"/>
+              <a:t>UberEats</a:t>
+            </a:r>
+            <a:r>
+              <a:rPr lang="en-US" dirty="0" smtClean="0"/>
+              <a:t>)</a:t>
+            </a:r>
+            <a:endParaRPr lang="en-US" dirty="0"/>
+          </a:p>
+        </p:txBody>
+      </p:sp>
+      <p:sp>
+        <p:nvSpPr>
+          <p:cNvPr id="3" name="Content Placeholder 2"/>
+          <p:cNvSpPr>
+            <a:spLocks noGrp="1"/>
+          </p:cNvSpPr>
+          <p:nvPr>
+            <p:ph idx="1"/>
+          </p:nvPr>
+        </p:nvSpPr>
+        <p:spPr/>
+        <p:txBody>
+          <a:bodyPr/>
+          <a:lstStyle/>
+          <a:p>
+            <a:r>
+              <a:rPr lang="en-US" b="1" dirty="0" smtClean="0"/>
+              <a:t>Similarities</a:t>
+            </a:r>
+            <a:r>
+              <a:rPr lang="en-US" dirty="0" smtClean="0"/>
+              <a:t>: Role-based ecosystem, ordering system, delivery tracking.</a:t>
+            </a:r>
+          </a:p>
+          <a:p>
+            <a:r>
+              <a:rPr lang="en-US" b="1" dirty="0" smtClean="0"/>
+              <a:t>Differences</a:t>
+            </a:r>
+            <a:r>
+              <a:rPr lang="en-US" dirty="0" smtClean="0"/>
+              <a:t>:</a:t>
+            </a:r>
+          </a:p>
+          <a:p>
+            <a:pPr lvl="1"/>
+            <a:r>
+              <a:rPr lang="en-US" dirty="0" smtClean="0"/>
+              <a:t>My system is simplified and academic-focused.</a:t>
+            </a:r>
+          </a:p>
+          <a:p>
+            <a:pPr lvl="1"/>
+            <a:r>
+              <a:rPr lang="en-US" dirty="0" smtClean="0"/>
+              <a:t>Limited features compared to commercial apps (payment gateways, real-time GPS, promotions).</a:t>
+            </a:r>
+          </a:p>
+          <a:p>
+            <a:endParaRPr lang="en-US" dirty="0"/>
+          </a:p>
+        </p:txBody>
+      </p:sp>
+    </p:spTree>
+  </p:cSld>
+  <p:clrMapOvr>
+    <a:masterClrMapping/>
+  </p:clrMapOvr>
+</p:sld>
+</file>
+
+<file path=ppt/slides/slide12.xml><?xml version="1.0" encoding="utf-8"?>
+<p:sld xmlns:a="http://schemas.openxmlformats.org/drawingml/2006/main" xmlns:r="http://schemas.openxmlformats.org/officeDocument/2006/relationships" xmlns:p="http://schemas.openxmlformats.org/presentationml/2006/main">
+  <p:cSld>
+    <p:spTree>
+      <p:nvGrpSpPr>
+        <p:cNvPr id="1" name=""/>
+        <p:cNvGrpSpPr/>
+        <p:nvPr/>
+      </p:nvGrpSpPr>
+      <p:grpSpPr>
+        <a:xfrm>
+          <a:off x="0" y="0"/>
+          <a:ext cx="0" cy="0"/>
+          <a:chOff x="0" y="0"/>
+          <a:chExt cx="0" cy="0"/>
+        </a:xfrm>
+      </p:grpSpPr>
+      <p:sp>
+        <p:nvSpPr>
+          <p:cNvPr id="2" name="Title 1"/>
+          <p:cNvSpPr>
+            <a:spLocks noGrp="1"/>
+          </p:cNvSpPr>
+          <p:nvPr>
+            <p:ph type="title"/>
+          </p:nvPr>
+        </p:nvSpPr>
+        <p:spPr/>
+        <p:txBody>
+          <a:bodyPr/>
+          <a:lstStyle/>
+          <a:p>
+            <a:r>
+              <a:rPr lang="en-US" dirty="0" smtClean="0"/>
+              <a:t>Drawbacks of Current Design</a:t>
+            </a:r>
+            <a:endParaRPr lang="en-US" dirty="0"/>
+          </a:p>
+        </p:txBody>
+      </p:sp>
+      <p:sp>
+        <p:nvSpPr>
+          <p:cNvPr id="3" name="Content Placeholder 2"/>
+          <p:cNvSpPr>
+            <a:spLocks noGrp="1"/>
+          </p:cNvSpPr>
+          <p:nvPr>
+            <p:ph idx="1"/>
+          </p:nvPr>
+        </p:nvSpPr>
+        <p:spPr/>
+        <p:txBody>
+          <a:bodyPr/>
+          <a:lstStyle/>
+          <a:p>
+            <a:r>
+              <a:rPr lang="en-US" dirty="0" smtClean="0"/>
+              <a:t>No payment gateway integration yet.</a:t>
+            </a:r>
+          </a:p>
+          <a:p>
+            <a:r>
+              <a:rPr lang="en-US" dirty="0" smtClean="0"/>
+              <a:t>No real-time delivery tracking (using Google Maps APIs).</a:t>
+            </a:r>
+          </a:p>
+          <a:p>
+            <a:r>
+              <a:rPr lang="en-US" dirty="0" smtClean="0"/>
+              <a:t>Currently monolithic → may face scalability issues in very large deployments.</a:t>
+            </a:r>
+          </a:p>
+          <a:p>
+            <a:endParaRPr lang="en-US" dirty="0"/>
+          </a:p>
+        </p:txBody>
+      </p:sp>
+    </p:spTree>
+  </p:cSld>
+  <p:clrMapOvr>
+    <a:masterClrMapping/>
+  </p:clrMapOvr>
+</p:sld>
+</file>
+
+<file path=ppt/slides/slide13.xml><?xml version="1.0" encoding="utf-8"?>
+<p:sld xmlns:a="http://schemas.openxmlformats.org/drawingml/2006/main" xmlns:r="http://schemas.openxmlformats.org/officeDocument/2006/relationships" xmlns:p="http://schemas.openxmlformats.org/presentationml/2006/main">
+  <p:cSld>
+    <p:spTree>
+      <p:nvGrpSpPr>
+        <p:cNvPr id="1" name=""/>
+        <p:cNvGrpSpPr/>
+        <p:nvPr/>
+      </p:nvGrpSpPr>
+      <p:grpSpPr>
+        <a:xfrm>
+          <a:off x="0" y="0"/>
+          <a:ext cx="0" cy="0"/>
+          <a:chOff x="0" y="0"/>
+          <a:chExt cx="0" cy="0"/>
+        </a:xfrm>
+      </p:grpSpPr>
+      <p:sp>
+        <p:nvSpPr>
+          <p:cNvPr id="2" name="Title 1"/>
+          <p:cNvSpPr>
+            <a:spLocks noGrp="1"/>
+          </p:cNvSpPr>
+          <p:nvPr>
+            <p:ph type="title"/>
+          </p:nvPr>
+        </p:nvSpPr>
+        <p:spPr/>
+        <p:txBody>
+          <a:bodyPr/>
+          <a:lstStyle/>
+          <a:p>
+            <a:r>
+              <a:rPr lang="en-US" dirty="0" smtClean="0"/>
+              <a:t>Future Improvements</a:t>
+            </a:r>
+            <a:endParaRPr lang="en-US" dirty="0"/>
+          </a:p>
+        </p:txBody>
+      </p:sp>
+      <p:sp>
+        <p:nvSpPr>
+          <p:cNvPr id="3" name="Content Placeholder 2"/>
+          <p:cNvSpPr>
+            <a:spLocks noGrp="1"/>
+          </p:cNvSpPr>
+          <p:nvPr>
+            <p:ph idx="1"/>
+          </p:nvPr>
+        </p:nvSpPr>
+        <p:spPr/>
+        <p:txBody>
+          <a:bodyPr/>
+          <a:lstStyle/>
+          <a:p>
+            <a:r>
+              <a:rPr lang="en-US" dirty="0" smtClean="0"/>
+              <a:t>Move towards </a:t>
+            </a:r>
+            <a:r>
+              <a:rPr lang="en-US" b="1" dirty="0" err="1" smtClean="0"/>
+              <a:t>microservices</a:t>
+            </a:r>
+            <a:r>
+              <a:rPr lang="en-US" b="1" dirty="0" smtClean="0"/>
+              <a:t> architecture</a:t>
+            </a:r>
+            <a:r>
+              <a:rPr lang="en-US" dirty="0" smtClean="0"/>
+              <a:t> for better scalability.</a:t>
+            </a:r>
+          </a:p>
+          <a:p>
+            <a:r>
+              <a:rPr lang="en-US" dirty="0" smtClean="0"/>
+              <a:t>Integrate </a:t>
+            </a:r>
+            <a:r>
+              <a:rPr lang="en-US" b="1" dirty="0" smtClean="0"/>
+              <a:t>real-time delivery tracking</a:t>
+            </a:r>
+            <a:r>
+              <a:rPr lang="en-US" dirty="0" smtClean="0"/>
+              <a:t> with </a:t>
+            </a:r>
+            <a:r>
+              <a:rPr lang="en-US" dirty="0" err="1" smtClean="0"/>
+              <a:t>WebSockets</a:t>
+            </a:r>
+            <a:r>
+              <a:rPr lang="en-US" dirty="0" smtClean="0"/>
+              <a:t> and Maps API.</a:t>
+            </a:r>
+          </a:p>
+          <a:p>
+            <a:r>
+              <a:rPr lang="en-US" dirty="0" smtClean="0"/>
+              <a:t>Add </a:t>
+            </a:r>
+            <a:r>
+              <a:rPr lang="en-US" b="1" dirty="0" smtClean="0"/>
+              <a:t>payment gateway integration</a:t>
+            </a:r>
+            <a:r>
+              <a:rPr lang="en-US" dirty="0" smtClean="0"/>
+              <a:t> (Stripe/PayPal).</a:t>
+            </a:r>
+          </a:p>
+          <a:p>
+            <a:r>
+              <a:rPr lang="en-US" dirty="0" smtClean="0"/>
+              <a:t>Implement </a:t>
+            </a:r>
+            <a:r>
+              <a:rPr lang="en-US" b="1" dirty="0" smtClean="0"/>
+              <a:t>caching</a:t>
+            </a:r>
+            <a:r>
+              <a:rPr lang="en-US" dirty="0" smtClean="0"/>
+              <a:t> (</a:t>
+            </a:r>
+            <a:r>
+              <a:rPr lang="en-US" dirty="0" err="1" smtClean="0"/>
+              <a:t>Redis</a:t>
+            </a:r>
+            <a:r>
+              <a:rPr lang="en-US" dirty="0" smtClean="0"/>
+              <a:t>) for faster menu and order retrieval.</a:t>
+            </a:r>
+          </a:p>
+          <a:p>
+            <a:r>
+              <a:rPr lang="en-US" dirty="0" smtClean="0"/>
+              <a:t>Deploy on </a:t>
+            </a:r>
+            <a:r>
+              <a:rPr lang="en-US" b="1" dirty="0" smtClean="0"/>
+              <a:t>cloud platforms</a:t>
+            </a:r>
+            <a:r>
+              <a:rPr lang="en-US" dirty="0" smtClean="0"/>
+              <a:t> (AWS/Azure/GCP) with auto-scaling.</a:t>
+            </a:r>
+          </a:p>
+          <a:p>
+            <a:endParaRPr lang="en-US" dirty="0"/>
+          </a:p>
+        </p:txBody>
+      </p:sp>
+    </p:spTree>
+  </p:cSld>
+  <p:clrMapOvr>
+    <a:masterClrMapping/>
+  </p:clrMapOvr>
+</p:sld>
+</file>
+
+<file path=ppt/slides/slide2.xml><?xml version="1.0" encoding="utf-8"?>
+<p:sld xmlns:a="http://schemas.openxmlformats.org/drawingml/2006/main" xmlns:r="http://schemas.openxmlformats.org/officeDocument/2006/relationships" xmlns:p="http://schemas.openxmlformats.org/presentationml/2006/main">
+  <p:cSld>
+    <p:spTree>
+      <p:nvGrpSpPr>
+        <p:cNvPr id="1" name=""/>
+        <p:cNvGrpSpPr/>
+        <p:nvPr/>
+      </p:nvGrpSpPr>
+      <p:grpSpPr>
+        <a:xfrm>
+          <a:off x="0" y="0"/>
+          <a:ext cx="0" cy="0"/>
+          <a:chOff x="0" y="0"/>
+          <a:chExt cx="0" cy="0"/>
+        </a:xfrm>
+      </p:grpSpPr>
+      <p:sp>
+        <p:nvSpPr>
+          <p:cNvPr id="2" name="Title 1"/>
+          <p:cNvSpPr>
+            <a:spLocks noGrp="1"/>
+          </p:cNvSpPr>
+          <p:nvPr>
+            <p:ph type="title"/>
+          </p:nvPr>
+        </p:nvSpPr>
+        <p:spPr/>
+        <p:txBody>
+          <a:bodyPr/>
+          <a:lstStyle/>
+          <a:p>
+            <a:r>
+              <a:rPr lang="en-US" dirty="0" smtClean="0"/>
+              <a:t>Scope &amp; Objective</a:t>
+            </a:r>
+            <a:endParaRPr lang="en-US" dirty="0"/>
+          </a:p>
+        </p:txBody>
+      </p:sp>
+      <p:sp>
+        <p:nvSpPr>
+          <p:cNvPr id="3" name="Content Placeholder 2"/>
+          <p:cNvSpPr>
+            <a:spLocks noGrp="1"/>
+          </p:cNvSpPr>
+          <p:nvPr>
+            <p:ph idx="1"/>
+          </p:nvPr>
+        </p:nvSpPr>
+        <p:spPr/>
+        <p:txBody>
+          <a:bodyPr>
+            <a:normAutofit lnSpcReduction="10000"/>
+          </a:bodyPr>
+          <a:lstStyle/>
+          <a:p>
+            <a:r>
+              <a:rPr lang="en-US" b="1" dirty="0" smtClean="0"/>
+              <a:t>Scope</a:t>
+            </a:r>
+            <a:r>
+              <a:rPr lang="en-US" dirty="0" smtClean="0"/>
+              <a:t>:</a:t>
+            </a:r>
+          </a:p>
+          <a:p>
+            <a:r>
+              <a:rPr lang="en-US" dirty="0" smtClean="0"/>
+              <a:t>Develop a scalable online food delivery platform.</a:t>
+            </a:r>
+          </a:p>
+          <a:p>
+            <a:r>
+              <a:rPr lang="en-US" dirty="0" smtClean="0"/>
+              <a:t>Support multiple roles: </a:t>
+            </a:r>
+            <a:r>
+              <a:rPr lang="en-US" b="1" dirty="0" smtClean="0"/>
+              <a:t>Admin, Manager, Delivery Person, and Customer</a:t>
+            </a:r>
+            <a:r>
+              <a:rPr lang="en-US" dirty="0" smtClean="0"/>
+              <a:t>.</a:t>
+            </a:r>
+          </a:p>
+          <a:p>
+            <a:r>
+              <a:rPr lang="en-US" dirty="0" smtClean="0"/>
+              <a:t>Enable smooth ordering, delivery management, and administration.</a:t>
+            </a:r>
+          </a:p>
+          <a:p>
+            <a:r>
+              <a:rPr lang="en-US" b="1" dirty="0" smtClean="0"/>
+              <a:t>Objective</a:t>
+            </a:r>
+            <a:r>
+              <a:rPr lang="en-US" dirty="0" smtClean="0"/>
+              <a:t>:</a:t>
+            </a:r>
+          </a:p>
+          <a:p>
+            <a:r>
+              <a:rPr lang="en-US" dirty="0" smtClean="0"/>
+              <a:t>Provide a </a:t>
+            </a:r>
+            <a:r>
+              <a:rPr lang="en-US" b="1" dirty="0" smtClean="0"/>
+              <a:t>user-friendly, secure, and efficient</a:t>
+            </a:r>
+            <a:r>
+              <a:rPr lang="en-US" dirty="0" smtClean="0"/>
+              <a:t> platform for food ordering and delivery.</a:t>
+            </a:r>
+          </a:p>
+          <a:p>
+            <a:r>
+              <a:rPr lang="en-US" dirty="0" smtClean="0"/>
+              <a:t>Allow restaurants to manage menus, customers to order, delivery agents to track orders, and </a:t>
+            </a:r>
+            <a:r>
+              <a:rPr lang="en-US" dirty="0" err="1" smtClean="0"/>
+              <a:t>admins</a:t>
+            </a:r>
+            <a:r>
+              <a:rPr lang="en-US" dirty="0" smtClean="0"/>
+              <a:t> to oversee the ecosystem.</a:t>
+            </a:r>
+          </a:p>
+          <a:p>
+            <a:endParaRPr lang="en-US" dirty="0"/>
+          </a:p>
+        </p:txBody>
+      </p:sp>
+    </p:spTree>
+  </p:cSld>
+  <p:clrMapOvr>
+    <a:masterClrMapping/>
+  </p:clrMapOvr>
+</p:sld>
+</file>
+
+<file path=ppt/slides/slide3.xml><?xml version="1.0" encoding="utf-8"?>
+<p:sld xmlns:a="http://schemas.openxmlformats.org/drawingml/2006/main" xmlns:r="http://schemas.openxmlformats.org/officeDocument/2006/relationships" xmlns:p="http://schemas.openxmlformats.org/presentationml/2006/main">
+  <p:cSld>
+    <p:spTree>
+      <p:nvGrpSpPr>
+        <p:cNvPr id="1" name=""/>
+        <p:cNvGrpSpPr/>
+        <p:nvPr/>
+      </p:nvGrpSpPr>
+      <p:grpSpPr>
+        <a:xfrm>
+          <a:off x="0" y="0"/>
+          <a:ext cx="0" cy="0"/>
+          <a:chOff x="0" y="0"/>
+          <a:chExt cx="0" cy="0"/>
+        </a:xfrm>
+      </p:grpSpPr>
+      <p:sp>
+        <p:nvSpPr>
+          <p:cNvPr id="2" name="Title 1"/>
+          <p:cNvSpPr>
+            <a:spLocks noGrp="1"/>
+          </p:cNvSpPr>
+          <p:nvPr>
+            <p:ph type="title"/>
+          </p:nvPr>
+        </p:nvSpPr>
+        <p:spPr/>
+        <p:txBody>
+          <a:bodyPr/>
+          <a:lstStyle/>
+          <a:p>
+            <a:r>
+              <a:rPr lang="en-US" dirty="0" smtClean="0"/>
+              <a:t>Business Domain &amp; Environment</a:t>
+            </a:r>
+            <a:endParaRPr lang="en-US" dirty="0"/>
+          </a:p>
+        </p:txBody>
+      </p:sp>
+      <p:sp>
+        <p:nvSpPr>
+          <p:cNvPr id="3" name="Content Placeholder 2"/>
+          <p:cNvSpPr>
+            <a:spLocks noGrp="1"/>
+          </p:cNvSpPr>
+          <p:nvPr>
+            <p:ph idx="1"/>
+          </p:nvPr>
+        </p:nvSpPr>
+        <p:spPr/>
+        <p:txBody>
+          <a:bodyPr/>
+          <a:lstStyle/>
+          <a:p>
+            <a:r>
+              <a:rPr lang="en-US" b="1" dirty="0" smtClean="0"/>
+              <a:t>Domain</a:t>
+            </a:r>
+            <a:r>
+              <a:rPr lang="en-US" dirty="0" smtClean="0"/>
+              <a:t>: Food-Tech / Online food delivery.</a:t>
+            </a:r>
+          </a:p>
+          <a:p>
+            <a:r>
+              <a:rPr lang="en-US" b="1" dirty="0" smtClean="0"/>
+              <a:t>Environment</a:t>
+            </a:r>
+            <a:r>
+              <a:rPr lang="en-US" dirty="0" smtClean="0"/>
+              <a:t>:</a:t>
+            </a:r>
+          </a:p>
+          <a:p>
+            <a:pPr lvl="1"/>
+            <a:r>
+              <a:rPr lang="en-US" dirty="0" smtClean="0"/>
+              <a:t>Customers ordering meals online.</a:t>
+            </a:r>
+          </a:p>
+          <a:p>
+            <a:pPr lvl="1"/>
+            <a:r>
+              <a:rPr lang="en-US" dirty="0" smtClean="0"/>
+              <a:t>Restaurant managers updating menus.</a:t>
+            </a:r>
+          </a:p>
+          <a:p>
+            <a:pPr lvl="1"/>
+            <a:r>
+              <a:rPr lang="en-US" dirty="0" smtClean="0"/>
+              <a:t>Delivery personnel handling last-mile delivery.</a:t>
+            </a:r>
+          </a:p>
+          <a:p>
+            <a:pPr lvl="1"/>
+            <a:r>
+              <a:rPr lang="en-US" dirty="0" smtClean="0"/>
+              <a:t>Admin monitoring transactions, users, and platform health.</a:t>
+            </a:r>
+          </a:p>
+          <a:p>
+            <a:endParaRPr lang="en-US" dirty="0"/>
+          </a:p>
+        </p:txBody>
+      </p:sp>
+    </p:spTree>
+  </p:cSld>
+  <p:clrMapOvr>
+    <a:masterClrMapping/>
+  </p:clrMapOvr>
+</p:sld>
+</file>
+
+<file path=ppt/slides/slide4.xml><?xml version="1.0" encoding="utf-8"?>
+<p:sld xmlns:a="http://schemas.openxmlformats.org/drawingml/2006/main" xmlns:r="http://schemas.openxmlformats.org/officeDocument/2006/relationships" xmlns:p="http://schemas.openxmlformats.org/presentationml/2006/main">
+  <p:cSld>
+    <p:spTree>
+      <p:nvGrpSpPr>
+        <p:cNvPr id="1" name=""/>
+        <p:cNvGrpSpPr/>
+        <p:nvPr/>
+      </p:nvGrpSpPr>
+      <p:grpSpPr>
+        <a:xfrm>
+          <a:off x="0" y="0"/>
+          <a:ext cx="0" cy="0"/>
+          <a:chOff x="0" y="0"/>
+          <a:chExt cx="0" cy="0"/>
+        </a:xfrm>
+      </p:grpSpPr>
+      <p:sp>
+        <p:nvSpPr>
+          <p:cNvPr id="2" name="Title 1"/>
+          <p:cNvSpPr>
+            <a:spLocks noGrp="1"/>
+          </p:cNvSpPr>
+          <p:nvPr>
+            <p:ph type="title"/>
+          </p:nvPr>
+        </p:nvSpPr>
+        <p:spPr/>
+        <p:txBody>
+          <a:bodyPr/>
+          <a:lstStyle/>
+          <a:p>
+            <a:r>
+              <a:rPr lang="en-US" dirty="0" smtClean="0"/>
+              <a:t>Architecture &amp; Technology Stack (High-Level Design)</a:t>
+            </a:r>
+            <a:endParaRPr lang="en-US" dirty="0"/>
+          </a:p>
+        </p:txBody>
+      </p:sp>
+      <p:sp>
+        <p:nvSpPr>
+          <p:cNvPr id="3" name="Content Placeholder 2"/>
+          <p:cNvSpPr>
+            <a:spLocks noGrp="1"/>
+          </p:cNvSpPr>
+          <p:nvPr>
+            <p:ph idx="1"/>
+          </p:nvPr>
+        </p:nvSpPr>
+        <p:spPr/>
+        <p:txBody>
+          <a:bodyPr>
+            <a:normAutofit lnSpcReduction="10000"/>
+          </a:bodyPr>
+          <a:lstStyle/>
+          <a:p>
+            <a:r>
+              <a:rPr lang="en-US" b="1" dirty="0" smtClean="0"/>
+              <a:t>Backend</a:t>
+            </a:r>
+            <a:r>
+              <a:rPr lang="en-US" dirty="0" smtClean="0"/>
+              <a:t>:</a:t>
+            </a:r>
+          </a:p>
+          <a:p>
+            <a:pPr lvl="1"/>
+            <a:r>
+              <a:rPr lang="en-US" dirty="0" smtClean="0"/>
+              <a:t>Spring Boot (REST APIs).</a:t>
+            </a:r>
+          </a:p>
+          <a:p>
+            <a:pPr lvl="1"/>
+            <a:r>
+              <a:rPr lang="en-US" dirty="0" smtClean="0"/>
+              <a:t>MS SQL (Relational DB with ACID properties).</a:t>
+            </a:r>
+          </a:p>
+          <a:p>
+            <a:r>
+              <a:rPr lang="en-US" b="1" dirty="0" smtClean="0"/>
+              <a:t>Frontend</a:t>
+            </a:r>
+            <a:r>
+              <a:rPr lang="en-US" dirty="0" smtClean="0"/>
+              <a:t>:</a:t>
+            </a:r>
+          </a:p>
+          <a:p>
+            <a:pPr lvl="1"/>
+            <a:r>
+              <a:rPr lang="en-US" dirty="0" smtClean="0"/>
+              <a:t>React (dynamic user interface).</a:t>
+            </a:r>
+          </a:p>
+          <a:p>
+            <a:r>
+              <a:rPr lang="en-US" b="1" dirty="0" smtClean="0"/>
+              <a:t>Communication</a:t>
+            </a:r>
+            <a:r>
+              <a:rPr lang="en-US" dirty="0" smtClean="0"/>
+              <a:t>: REST (JSON over HTTP).</a:t>
+            </a:r>
+          </a:p>
+          <a:p>
+            <a:r>
+              <a:rPr lang="en-US" b="1" dirty="0" smtClean="0"/>
+              <a:t>Architecture Style</a:t>
+            </a:r>
+            <a:r>
+              <a:rPr lang="en-US" dirty="0" smtClean="0"/>
+              <a:t>: MVC + layered architecture (Controller, Service, Repository).</a:t>
+            </a:r>
+          </a:p>
+          <a:p>
+            <a:r>
+              <a:rPr lang="en-US" b="1" dirty="0" smtClean="0"/>
+              <a:t>APIs</a:t>
+            </a:r>
+            <a:r>
+              <a:rPr lang="en-US" dirty="0" smtClean="0"/>
+              <a:t>: Auth, Registration, Menu Management, Order Placement, Delivery Tracking.</a:t>
+            </a:r>
+          </a:p>
+          <a:p>
+            <a:endParaRPr lang="en-US" dirty="0"/>
+          </a:p>
+        </p:txBody>
+      </p:sp>
+    </p:spTree>
+  </p:cSld>
+  <p:clrMapOvr>
+    <a:masterClrMapping/>
+  </p:clrMapOvr>
+</p:sld>
+</file>
+
+<file path=ppt/slides/slide5.xml><?xml version="1.0" encoding="utf-8"?>
+<p:sld xmlns:a="http://schemas.openxmlformats.org/drawingml/2006/main" xmlns:r="http://schemas.openxmlformats.org/officeDocument/2006/relationships" xmlns:p="http://schemas.openxmlformats.org/presentationml/2006/main">
+  <p:cSld>
+    <p:spTree>
+      <p:nvGrpSpPr>
+        <p:cNvPr id="1" name=""/>
+        <p:cNvGrpSpPr/>
+        <p:nvPr/>
+      </p:nvGrpSpPr>
+      <p:grpSpPr>
+        <a:xfrm>
+          <a:off x="0" y="0"/>
+          <a:ext cx="0" cy="0"/>
+          <a:chOff x="0" y="0"/>
+          <a:chExt cx="0" cy="0"/>
+        </a:xfrm>
+      </p:grpSpPr>
+      <p:sp>
+        <p:nvSpPr>
+          <p:cNvPr id="2" name="Title 1"/>
+          <p:cNvSpPr>
+            <a:spLocks noGrp="1"/>
+          </p:cNvSpPr>
+          <p:nvPr>
+            <p:ph type="title"/>
+          </p:nvPr>
+        </p:nvSpPr>
+        <p:spPr/>
+        <p:txBody>
+          <a:bodyPr/>
+          <a:lstStyle/>
+          <a:p>
+            <a:r>
+              <a:rPr lang="en-US" dirty="0" smtClean="0"/>
+              <a:t>IDE &amp; Tools</a:t>
+            </a:r>
+            <a:endParaRPr lang="en-US" dirty="0"/>
+          </a:p>
+        </p:txBody>
+      </p:sp>
+      <p:sp>
+        <p:nvSpPr>
+          <p:cNvPr id="3" name="Content Placeholder 2"/>
+          <p:cNvSpPr>
+            <a:spLocks noGrp="1"/>
+          </p:cNvSpPr>
+          <p:nvPr>
+            <p:ph idx="1"/>
+          </p:nvPr>
+        </p:nvSpPr>
+        <p:spPr/>
+        <p:txBody>
+          <a:bodyPr/>
+          <a:lstStyle/>
+          <a:p>
+            <a:r>
+              <a:rPr lang="en-US" b="1" dirty="0" smtClean="0"/>
+              <a:t>IDE</a:t>
+            </a:r>
+            <a:r>
+              <a:rPr lang="en-US" dirty="0" smtClean="0"/>
+              <a:t>: Eclipse (backend), VS Code (frontend).</a:t>
+            </a:r>
+          </a:p>
+          <a:p>
+            <a:r>
+              <a:rPr lang="en-US" b="1" dirty="0" smtClean="0"/>
+              <a:t>Version Control</a:t>
+            </a:r>
+            <a:r>
+              <a:rPr lang="en-US" dirty="0" smtClean="0"/>
+              <a:t>: </a:t>
+            </a:r>
+            <a:r>
+              <a:rPr lang="en-US" dirty="0" err="1" smtClean="0"/>
+              <a:t>Git</a:t>
+            </a:r>
+            <a:r>
+              <a:rPr lang="en-US" dirty="0" smtClean="0"/>
+              <a:t> &amp; </a:t>
+            </a:r>
+            <a:r>
+              <a:rPr lang="en-US" dirty="0" err="1" smtClean="0"/>
+              <a:t>GitHub</a:t>
+            </a:r>
+            <a:r>
+              <a:rPr lang="en-US" dirty="0" smtClean="0"/>
+              <a:t>.</a:t>
+            </a:r>
+          </a:p>
+          <a:p>
+            <a:r>
+              <a:rPr lang="en-US" b="1" dirty="0" smtClean="0"/>
+              <a:t>Build Tools</a:t>
+            </a:r>
+            <a:r>
+              <a:rPr lang="en-US" dirty="0" smtClean="0"/>
+              <a:t>: Maven (backend), </a:t>
+            </a:r>
+            <a:r>
+              <a:rPr lang="en-US" dirty="0" err="1" smtClean="0"/>
+              <a:t>npm</a:t>
+            </a:r>
+            <a:r>
+              <a:rPr lang="en-US" dirty="0" smtClean="0"/>
+              <a:t> </a:t>
+            </a:r>
+            <a:r>
+              <a:rPr lang="en-US" dirty="0" smtClean="0"/>
+              <a:t>(frontend).</a:t>
+            </a:r>
+          </a:p>
+          <a:p>
+            <a:r>
+              <a:rPr lang="en-US" b="1" dirty="0" smtClean="0"/>
+              <a:t>Other Tools</a:t>
+            </a:r>
+            <a:r>
+              <a:rPr lang="en-US" dirty="0" smtClean="0"/>
+              <a:t>: Postman (API testing), </a:t>
+            </a:r>
+            <a:r>
+              <a:rPr lang="en-US" dirty="0" err="1" smtClean="0"/>
+              <a:t>Docker</a:t>
+            </a:r>
+            <a:r>
+              <a:rPr lang="en-US" dirty="0" smtClean="0"/>
+              <a:t> (optional for containerization).</a:t>
+            </a:r>
+          </a:p>
+          <a:p>
+            <a:endParaRPr lang="en-US" dirty="0"/>
+          </a:p>
+        </p:txBody>
+      </p:sp>
+    </p:spTree>
+  </p:cSld>
+  <p:clrMapOvr>
+    <a:masterClrMapping/>
+  </p:clrMapOvr>
+</p:sld>
+</file>
+
+<file path=ppt/slides/slide6.xml><?xml version="1.0" encoding="utf-8"?>
+<p:sld xmlns:a="http://schemas.openxmlformats.org/drawingml/2006/main" xmlns:r="http://schemas.openxmlformats.org/officeDocument/2006/relationships" xmlns:p="http://schemas.openxmlformats.org/presentationml/2006/main">
+  <p:cSld>
+    <p:spTree>
+      <p:nvGrpSpPr>
+        <p:cNvPr id="1" name=""/>
+        <p:cNvGrpSpPr/>
+        <p:nvPr/>
+      </p:nvGrpSpPr>
+      <p:grpSpPr>
+        <a:xfrm>
+          <a:off x="0" y="0"/>
+          <a:ext cx="0" cy="0"/>
+          <a:chOff x="0" y="0"/>
+          <a:chExt cx="0" cy="0"/>
+        </a:xfrm>
+      </p:grpSpPr>
+      <p:sp>
+        <p:nvSpPr>
+          <p:cNvPr id="2" name="Title 1"/>
+          <p:cNvSpPr>
+            <a:spLocks noGrp="1"/>
+          </p:cNvSpPr>
+          <p:nvPr>
+            <p:ph type="title"/>
+          </p:nvPr>
+        </p:nvSpPr>
+        <p:spPr/>
+        <p:txBody>
+          <a:bodyPr/>
+          <a:lstStyle/>
+          <a:p>
+            <a:r>
+              <a:rPr lang="en-US" dirty="0" smtClean="0"/>
+              <a:t>Functional &amp; Non-Functional Requirements</a:t>
+            </a:r>
+            <a:endParaRPr lang="en-US" dirty="0"/>
+          </a:p>
+        </p:txBody>
+      </p:sp>
+      <p:sp>
+        <p:nvSpPr>
+          <p:cNvPr id="3" name="Content Placeholder 2"/>
+          <p:cNvSpPr>
+            <a:spLocks noGrp="1"/>
+          </p:cNvSpPr>
+          <p:nvPr>
+            <p:ph idx="1"/>
+          </p:nvPr>
+        </p:nvSpPr>
+        <p:spPr/>
+        <p:txBody>
+          <a:bodyPr>
+            <a:normAutofit/>
+          </a:bodyPr>
+          <a:lstStyle/>
+          <a:p>
+            <a:r>
+              <a:rPr lang="en-US" b="1" dirty="0" smtClean="0"/>
+              <a:t>Functional</a:t>
+            </a:r>
+            <a:r>
+              <a:rPr lang="en-US" dirty="0" smtClean="0"/>
+              <a:t>:</a:t>
+            </a:r>
+          </a:p>
+          <a:p>
+            <a:pPr lvl="1"/>
+            <a:r>
+              <a:rPr lang="en-US" dirty="0" smtClean="0"/>
+              <a:t>User registration &amp; authentication.</a:t>
+            </a:r>
+          </a:p>
+          <a:p>
+            <a:pPr lvl="1"/>
+            <a:r>
+              <a:rPr lang="en-US" dirty="0" smtClean="0"/>
+              <a:t>Menu management (CRUD).</a:t>
+            </a:r>
+          </a:p>
+          <a:p>
+            <a:pPr lvl="1"/>
+            <a:r>
+              <a:rPr lang="en-US" dirty="0" smtClean="0"/>
+              <a:t>Order placement &amp; tracking.</a:t>
+            </a:r>
+          </a:p>
+          <a:p>
+            <a:pPr lvl="1"/>
+            <a:r>
+              <a:rPr lang="en-US" dirty="0" smtClean="0"/>
+              <a:t>Role-based access (Admin, Manager, Delivery, Customer).</a:t>
+            </a:r>
+          </a:p>
+          <a:p>
+            <a:r>
+              <a:rPr lang="en-US" b="1" dirty="0" smtClean="0"/>
+              <a:t>Non-Functional</a:t>
+            </a:r>
+            <a:r>
+              <a:rPr lang="en-US" dirty="0" smtClean="0"/>
+              <a:t>:</a:t>
+            </a:r>
+          </a:p>
+          <a:p>
+            <a:pPr lvl="1"/>
+            <a:r>
+              <a:rPr lang="en-US" dirty="0" smtClean="0"/>
+              <a:t>Scalability to support high user traffic.</a:t>
+            </a:r>
+          </a:p>
+          <a:p>
+            <a:pPr lvl="1"/>
+            <a:r>
+              <a:rPr lang="en-US" dirty="0" smtClean="0"/>
+              <a:t>Performance optimization (low latency responses).</a:t>
+            </a:r>
+          </a:p>
+          <a:p>
+            <a:pPr lvl="1"/>
+            <a:r>
+              <a:rPr lang="en-US" dirty="0" smtClean="0"/>
+              <a:t>Security (JWT, encryption, secure password storage).</a:t>
+            </a:r>
+          </a:p>
+          <a:p>
+            <a:pPr lvl="1"/>
+            <a:r>
+              <a:rPr lang="en-US" dirty="0" smtClean="0"/>
+              <a:t>Availability &amp; reliability.</a:t>
+            </a:r>
+          </a:p>
+          <a:p>
+            <a:endParaRPr lang="en-US" dirty="0"/>
+          </a:p>
+        </p:txBody>
+      </p:sp>
+    </p:spTree>
+  </p:cSld>
+  <p:clrMapOvr>
+    <a:masterClrMapping/>
+  </p:clrMapOvr>
+</p:sld>
+</file>
+
+<file path=ppt/slides/slide7.xml><?xml version="1.0" encoding="utf-8"?>
+<p:sld xmlns:a="http://schemas.openxmlformats.org/drawingml/2006/main" xmlns:r="http://schemas.openxmlformats.org/officeDocument/2006/relationships" xmlns:p="http://schemas.openxmlformats.org/presentationml/2006/main">
+  <p:cSld>
+    <p:spTree>
+      <p:nvGrpSpPr>
+        <p:cNvPr id="1" name=""/>
+        <p:cNvGrpSpPr/>
+        <p:nvPr/>
+      </p:nvGrpSpPr>
+      <p:grpSpPr>
+        <a:xfrm>
+          <a:off x="0" y="0"/>
+          <a:ext cx="0" cy="0"/>
+          <a:chOff x="0" y="0"/>
+          <a:chExt cx="0" cy="0"/>
+        </a:xfrm>
+      </p:grpSpPr>
+      <p:sp>
+        <p:nvSpPr>
+          <p:cNvPr id="2" name="Title 1"/>
+          <p:cNvSpPr>
+            <a:spLocks noGrp="1"/>
+          </p:cNvSpPr>
+          <p:nvPr>
+            <p:ph type="title"/>
+          </p:nvPr>
+        </p:nvSpPr>
+        <p:spPr/>
+        <p:txBody>
+          <a:bodyPr/>
+          <a:lstStyle/>
+          <a:p>
+            <a:r>
+              <a:rPr lang="en-US" dirty="0" smtClean="0"/>
+              <a:t>User Stories</a:t>
+            </a:r>
+            <a:endParaRPr lang="en-US" dirty="0"/>
+          </a:p>
+        </p:txBody>
+      </p:sp>
+      <p:sp>
+        <p:nvSpPr>
+          <p:cNvPr id="3" name="Content Placeholder 2"/>
+          <p:cNvSpPr>
+            <a:spLocks noGrp="1"/>
+          </p:cNvSpPr>
+          <p:nvPr>
+            <p:ph idx="1"/>
+          </p:nvPr>
+        </p:nvSpPr>
+        <p:spPr/>
+        <p:txBody>
+          <a:bodyPr/>
+          <a:lstStyle/>
+          <a:p>
+            <a:r>
+              <a:rPr lang="en-US" b="1" dirty="0" smtClean="0"/>
+              <a:t>Customer</a:t>
+            </a:r>
+            <a:r>
+              <a:rPr lang="en-US" dirty="0" smtClean="0"/>
+              <a:t>: “As a customer, I want to search menus and place orders easily.”</a:t>
+            </a:r>
+          </a:p>
+          <a:p>
+            <a:r>
+              <a:rPr lang="en-US" b="1" dirty="0" smtClean="0"/>
+              <a:t>Manager</a:t>
+            </a:r>
+            <a:r>
+              <a:rPr lang="en-US" dirty="0" smtClean="0"/>
+              <a:t>: “As a restaurant manager, I want to add/edit/remove menu items.”</a:t>
+            </a:r>
+          </a:p>
+          <a:p>
+            <a:r>
+              <a:rPr lang="en-US" b="1" dirty="0" smtClean="0"/>
+              <a:t>Delivery Person</a:t>
+            </a:r>
+            <a:r>
+              <a:rPr lang="en-US" dirty="0" smtClean="0"/>
+              <a:t>: “As a delivery agent, I want to accept orders and update delivery status.”</a:t>
+            </a:r>
+          </a:p>
+          <a:p>
+            <a:r>
+              <a:rPr lang="en-US" b="1" dirty="0" smtClean="0"/>
+              <a:t>Admin</a:t>
+            </a:r>
+            <a:r>
+              <a:rPr lang="en-US" dirty="0" smtClean="0"/>
+              <a:t>: “As an admin, I want to monitor all users, restaurants, and transactions.”</a:t>
+            </a:r>
+          </a:p>
+          <a:p>
+            <a:endParaRPr lang="en-US" dirty="0"/>
+          </a:p>
+        </p:txBody>
+      </p:sp>
+    </p:spTree>
+  </p:cSld>
+  <p:clrMapOvr>
+    <a:masterClrMapping/>
+  </p:clrMapOvr>
+</p:sld>
+</file>
+
+<file path=ppt/slides/slide8.xml><?xml version="1.0" encoding="utf-8"?>
+<p:sld xmlns:a="http://schemas.openxmlformats.org/drawingml/2006/main" xmlns:r="http://schemas.openxmlformats.org/officeDocument/2006/relationships" xmlns:p="http://schemas.openxmlformats.org/presentationml/2006/main">
+  <p:cSld>
+    <p:spTree>
+      <p:nvGrpSpPr>
+        <p:cNvPr id="1" name=""/>
+        <p:cNvGrpSpPr/>
+        <p:nvPr/>
+      </p:nvGrpSpPr>
+      <p:grpSpPr>
+        <a:xfrm>
+          <a:off x="0" y="0"/>
+          <a:ext cx="0" cy="0"/>
+          <a:chOff x="0" y="0"/>
+          <a:chExt cx="0" cy="0"/>
+        </a:xfrm>
+      </p:grpSpPr>
+      <p:sp>
+        <p:nvSpPr>
+          <p:cNvPr id="2" name="Title 1"/>
+          <p:cNvSpPr>
+            <a:spLocks noGrp="1"/>
+          </p:cNvSpPr>
+          <p:nvPr>
+            <p:ph type="title"/>
+          </p:nvPr>
+        </p:nvSpPr>
+        <p:spPr/>
+        <p:txBody>
+          <a:bodyPr/>
+          <a:lstStyle/>
+          <a:p>
+            <a:r>
+              <a:rPr lang="en-US" dirty="0" smtClean="0"/>
+              <a:t>Low-Level Design</a:t>
+            </a:r>
+            <a:endParaRPr lang="en-US" dirty="0"/>
+          </a:p>
+        </p:txBody>
+      </p:sp>
+      <p:sp>
+        <p:nvSpPr>
+          <p:cNvPr id="3" name="Content Placeholder 2"/>
+          <p:cNvSpPr>
+            <a:spLocks noGrp="1"/>
+          </p:cNvSpPr>
+          <p:nvPr>
+            <p:ph idx="1"/>
+          </p:nvPr>
+        </p:nvSpPr>
+        <p:spPr/>
+        <p:txBody>
+          <a:bodyPr/>
+          <a:lstStyle/>
+          <a:p>
+            <a:r>
+              <a:rPr lang="en-US" dirty="0" smtClean="0"/>
+              <a:t>Entities: User, Menu, Order, Delivery, Payment (future).</a:t>
+            </a:r>
+          </a:p>
+          <a:p>
+            <a:r>
+              <a:rPr lang="en-US" dirty="0" smtClean="0"/>
+              <a:t>Relationships:</a:t>
+            </a:r>
+          </a:p>
+          <a:p>
+            <a:pPr lvl="1"/>
+            <a:r>
+              <a:rPr lang="en-US" dirty="0" smtClean="0"/>
+              <a:t>One restaurant → many menus.</a:t>
+            </a:r>
+          </a:p>
+          <a:p>
+            <a:pPr lvl="1"/>
+            <a:r>
+              <a:rPr lang="en-US" dirty="0" smtClean="0"/>
+              <a:t>One customer → many orders.</a:t>
+            </a:r>
+          </a:p>
+          <a:p>
+            <a:pPr lvl="1"/>
+            <a:r>
+              <a:rPr lang="en-US" dirty="0" smtClean="0"/>
+              <a:t>One order → one delivery agent.</a:t>
+            </a:r>
+          </a:p>
+          <a:p>
+            <a:endParaRPr lang="en-US" dirty="0"/>
+          </a:p>
+        </p:txBody>
+      </p:sp>
+    </p:spTree>
+  </p:cSld>
+  <p:clrMapOvr>
+    <a:masterClrMapping/>
+  </p:clrMapOvr>
+</p:sld>
+</file>
+
+<file path=ppt/slides/slide9.xml><?xml version="1.0" encoding="utf-8"?>
+<p:sld xmlns:a="http://schemas.openxmlformats.org/drawingml/2006/main" xmlns:r="http://schemas.openxmlformats.org/officeDocument/2006/relationships" xmlns:p="http://schemas.openxmlformats.org/presentationml/2006/main">
+  <p:cSld>
+    <p:spTree>
+      <p:nvGrpSpPr>
+        <p:cNvPr id="1" name=""/>
+        <p:cNvGrpSpPr/>
+        <p:nvPr/>
+      </p:nvGrpSpPr>
+      <p:grpSpPr>
+        <a:xfrm>
+          <a:off x="0" y="0"/>
+          <a:ext cx="0" cy="0"/>
+          <a:chOff x="0" y="0"/>
+          <a:chExt cx="0" cy="0"/>
+        </a:xfrm>
+      </p:grpSpPr>
+      <p:sp>
+        <p:nvSpPr>
+          <p:cNvPr id="2" name="Title 1"/>
+          <p:cNvSpPr>
+            <a:spLocks noGrp="1"/>
+          </p:cNvSpPr>
+          <p:nvPr>
+            <p:ph type="title"/>
+          </p:nvPr>
+        </p:nvSpPr>
+        <p:spPr/>
+        <p:txBody>
+          <a:bodyPr/>
+          <a:lstStyle/>
+          <a:p>
+            <a:r>
+              <a:rPr lang="en-US" dirty="0" smtClean="0"/>
+              <a:t>Security Design</a:t>
+            </a:r>
+            <a:endParaRPr lang="en-US" dirty="0"/>
+          </a:p>
+        </p:txBody>
+      </p:sp>
+      <p:sp>
+        <p:nvSpPr>
+          <p:cNvPr id="3" name="Content Placeholder 2"/>
+          <p:cNvSpPr>
+            <a:spLocks noGrp="1"/>
+          </p:cNvSpPr>
+          <p:nvPr>
+            <p:ph idx="1"/>
+          </p:nvPr>
+        </p:nvSpPr>
+        <p:spPr/>
+        <p:txBody>
+          <a:bodyPr/>
+          <a:lstStyle/>
+          <a:p>
+            <a:r>
+              <a:rPr lang="en-US" b="1" dirty="0" smtClean="0"/>
+              <a:t>Authentication</a:t>
+            </a:r>
+            <a:r>
+              <a:rPr lang="en-US" dirty="0" smtClean="0"/>
+              <a:t>: JWT-based login for all roles.</a:t>
+            </a:r>
+          </a:p>
+          <a:p>
+            <a:r>
+              <a:rPr lang="en-US" b="1" dirty="0" smtClean="0"/>
+              <a:t>Authorization</a:t>
+            </a:r>
+            <a:r>
+              <a:rPr lang="en-US" dirty="0" smtClean="0"/>
+              <a:t>: Role-based access control (Spring Security).</a:t>
+            </a:r>
+          </a:p>
+          <a:p>
+            <a:r>
+              <a:rPr lang="en-US" b="1" dirty="0" smtClean="0"/>
+              <a:t>Encryption</a:t>
+            </a:r>
+            <a:r>
+              <a:rPr lang="en-US" dirty="0" smtClean="0"/>
+              <a:t>: Password hashing with </a:t>
+            </a:r>
+            <a:r>
+              <a:rPr lang="en-US" dirty="0" err="1" smtClean="0"/>
+              <a:t>BCrypt</a:t>
+            </a:r>
+            <a:r>
+              <a:rPr lang="en-US" dirty="0" smtClean="0"/>
+              <a:t>.</a:t>
+            </a:r>
+          </a:p>
+          <a:p>
+            <a:r>
+              <a:rPr lang="en-US" b="1" dirty="0" smtClean="0"/>
+              <a:t>Data Protection</a:t>
+            </a:r>
+            <a:r>
+              <a:rPr lang="en-US" dirty="0" smtClean="0"/>
+              <a:t>: HTTPS communication, SQL injection prevention, input validation.</a:t>
+            </a:r>
+          </a:p>
+          <a:p>
+            <a:endParaRPr lang="en-US" dirty="0"/>
+          </a:p>
+        </p:txBody>
+      </p:sp>
+    </p:spTree>
   </p:cSld>
   <p:clrMapOvr>
     <a:masterClrMapping/>
@@ -3416,39 +4958,39 @@
         <a:sysClr val="window" lastClr="FFFFFF"/>
       </a:lt1>
       <a:dk2>
-        <a:srgbClr val="44546A"/>
+        <a:srgbClr val="1F497D"/>
       </a:dk2>
       <a:lt2>
-        <a:srgbClr val="E7E6E6"/>
+        <a:srgbClr val="EEECE1"/>
       </a:lt2>
       <a:accent1>
-        <a:srgbClr val="4472C4"/>
+        <a:srgbClr val="4F81BD"/>
       </a:accent1>
       <a:accent2>
-        <a:srgbClr val="ED7D31"/>
+        <a:srgbClr val="C0504D"/>
       </a:accent2>
       <a:accent3>
-        <a:srgbClr val="A5A5A5"/>
+        <a:srgbClr val="9BBB59"/>
       </a:accent3>
       <a:accent4>
-        <a:srgbClr val="FFC000"/>
+        <a:srgbClr val="8064A2"/>
       </a:accent4>
       <a:accent5>
-        <a:srgbClr val="5B9BD5"/>
+        <a:srgbClr val="4BACC6"/>
       </a:accent5>
       <a:accent6>
-        <a:srgbClr val="70AD47"/>
+        <a:srgbClr val="F79646"/>
       </a:accent6>
       <a:hlink>
-        <a:srgbClr val="0563C1"/>
+        <a:srgbClr val="0000FF"/>
       </a:hlink>
       <a:folHlink>
-        <a:srgbClr val="954F72"/>
+        <a:srgbClr val="800080"/>
       </a:folHlink>
     </a:clrScheme>
     <a:fontScheme name="Office">
       <a:majorFont>
-        <a:latin typeface="Calibri Light" panose="020F0302020204030204"/>
+        <a:latin typeface="Calibri Light"/>
         <a:ea typeface=""/>
         <a:cs typeface=""/>
         <a:font script="Jpan" typeface="游ゴシック Light"/>
@@ -3500,7 +5042,7 @@
         <a:font script="Tfng" typeface="Ebrima"/>
       </a:majorFont>
       <a:minorFont>
-        <a:latin typeface="Calibri" panose="020F0502020204030204"/>
+        <a:latin typeface="Calibri"/>
         <a:ea typeface=""/>
         <a:cs typeface=""/>
         <a:font script="Jpan" typeface="游ゴシック"/>
@@ -3694,7 +5236,7 @@
   <a:extraClrSchemeLst/>
   <a:extLst>
     <a:ext uri="{05A4C25C-085E-4340-85A3-A5531E510DB2}">
-      <thm15:themeFamily xmlns:thm15="http://schemas.microsoft.com/office/thememl/2012/main" name="Office Theme" id="{62F939B6-93AF-4DB8-9C6B-D6C7DFDC589F}" vid="{4A3C46E8-61CC-4603-A589-7422A47A8E4A}"/>
+      <thm15:themeFamily xmlns:thm15="http://schemas.microsoft.com/office/thememl/2012/main" xmlns="" name="Office Theme" id="{62F939B6-93AF-4DB8-9C6B-D6C7DFDC589F}" vid="{4A3C46E8-61CC-4603-A589-7422A47A8E4A}"/>
     </a:ext>
   </a:extLst>
 </a:theme>
